--- a/2020/9月/3-9.pptx
+++ b/2020/9月/3-9.pptx
@@ -5,17 +5,29 @@
     <p:sldMasterId id="2147483660" r:id="rId1"/>
   </p:sldMasterIdLst>
   <p:notesMasterIdLst>
-    <p:notesMasterId r:id="rId10"/>
+    <p:notesMasterId r:id="rId22"/>
   </p:notesMasterIdLst>
   <p:sldIdLst>
     <p:sldId id="273" r:id="rId2"/>
     <p:sldId id="274" r:id="rId3"/>
     <p:sldId id="275" r:id="rId4"/>
     <p:sldId id="276" r:id="rId5"/>
-    <p:sldId id="277" r:id="rId6"/>
-    <p:sldId id="278" r:id="rId7"/>
-    <p:sldId id="279" r:id="rId8"/>
-    <p:sldId id="280" r:id="rId9"/>
+    <p:sldId id="287" r:id="rId6"/>
+    <p:sldId id="288" r:id="rId7"/>
+    <p:sldId id="289" r:id="rId8"/>
+    <p:sldId id="290" r:id="rId9"/>
+    <p:sldId id="291" r:id="rId10"/>
+    <p:sldId id="292" r:id="rId11"/>
+    <p:sldId id="293" r:id="rId12"/>
+    <p:sldId id="277" r:id="rId13"/>
+    <p:sldId id="281" r:id="rId14"/>
+    <p:sldId id="283" r:id="rId15"/>
+    <p:sldId id="278" r:id="rId16"/>
+    <p:sldId id="279" r:id="rId17"/>
+    <p:sldId id="280" r:id="rId18"/>
+    <p:sldId id="284" r:id="rId19"/>
+    <p:sldId id="285" r:id="rId20"/>
+    <p:sldId id="286" r:id="rId21"/>
   </p:sldIdLst>
   <p:sldSz cx="9144000" cy="5143500" type="screen16x9"/>
   <p:notesSz cx="6858000" cy="9144000"/>
@@ -196,14 +208,14 @@
           </a:ln>
           <a:extLst>
             <a:ext uri="{909E8E84-426E-40DD-AFC4-6F175D3DCCD1}">
-              <a14:hiddenFill xmlns:a14="http://schemas.microsoft.com/office/drawing/2010/main" xmlns="">
+              <a14:hiddenFill xmlns="" xmlns:a14="http://schemas.microsoft.com/office/drawing/2010/main">
                 <a:solidFill>
                   <a:schemeClr val="accent1"/>
                 </a:solidFill>
               </a14:hiddenFill>
             </a:ext>
             <a:ext uri="{91240B29-F687-4F45-9708-019B960494DF}">
-              <a14:hiddenLine xmlns:a14="http://schemas.microsoft.com/office/drawing/2010/main" xmlns="" w="9525">
+              <a14:hiddenLine xmlns="" xmlns:a14="http://schemas.microsoft.com/office/drawing/2010/main" w="9525">
                 <a:solidFill>
                   <a:schemeClr val="tx1"/>
                 </a:solidFill>
@@ -257,14 +269,14 @@
           </a:ln>
           <a:extLst>
             <a:ext uri="{909E8E84-426E-40DD-AFC4-6F175D3DCCD1}">
-              <a14:hiddenFill xmlns:a14="http://schemas.microsoft.com/office/drawing/2010/main" xmlns="">
+              <a14:hiddenFill xmlns="" xmlns:a14="http://schemas.microsoft.com/office/drawing/2010/main">
                 <a:solidFill>
                   <a:schemeClr val="accent1"/>
                 </a:solidFill>
               </a14:hiddenFill>
             </a:ext>
             <a:ext uri="{91240B29-F687-4F45-9708-019B960494DF}">
-              <a14:hiddenLine xmlns:a14="http://schemas.microsoft.com/office/drawing/2010/main" xmlns="" w="9525">
+              <a14:hiddenLine xmlns="" xmlns:a14="http://schemas.microsoft.com/office/drawing/2010/main" w="9525">
                 <a:solidFill>
                   <a:schemeClr val="tx1"/>
                 </a:solidFill>
@@ -348,14 +360,14 @@
           </a:ln>
           <a:extLst>
             <a:ext uri="{909E8E84-426E-40DD-AFC4-6F175D3DCCD1}">
-              <a14:hiddenFill xmlns:a14="http://schemas.microsoft.com/office/drawing/2010/main" xmlns="">
+              <a14:hiddenFill xmlns="" xmlns:a14="http://schemas.microsoft.com/office/drawing/2010/main">
                 <a:solidFill>
                   <a:schemeClr val="accent1"/>
                 </a:solidFill>
               </a14:hiddenFill>
             </a:ext>
             <a:ext uri="{91240B29-F687-4F45-9708-019B960494DF}">
-              <a14:hiddenLine xmlns:a14="http://schemas.microsoft.com/office/drawing/2010/main" xmlns="" w="9525">
+              <a14:hiddenLine xmlns="" xmlns:a14="http://schemas.microsoft.com/office/drawing/2010/main" w="9525">
                 <a:solidFill>
                   <a:schemeClr val="tx1"/>
                 </a:solidFill>
@@ -434,14 +446,14 @@
           </a:ln>
           <a:extLst>
             <a:ext uri="{909E8E84-426E-40DD-AFC4-6F175D3DCCD1}">
-              <a14:hiddenFill xmlns:a14="http://schemas.microsoft.com/office/drawing/2010/main" xmlns="">
+              <a14:hiddenFill xmlns="" xmlns:a14="http://schemas.microsoft.com/office/drawing/2010/main">
                 <a:solidFill>
                   <a:schemeClr val="accent1"/>
                 </a:solidFill>
               </a14:hiddenFill>
             </a:ext>
             <a:ext uri="{91240B29-F687-4F45-9708-019B960494DF}">
-              <a14:hiddenLine xmlns:a14="http://schemas.microsoft.com/office/drawing/2010/main" xmlns="" w="9525">
+              <a14:hiddenLine xmlns="" xmlns:a14="http://schemas.microsoft.com/office/drawing/2010/main" w="9525">
                 <a:solidFill>
                   <a:schemeClr val="tx1"/>
                 </a:solidFill>
@@ -495,14 +507,14 @@
           </a:ln>
           <a:extLst>
             <a:ext uri="{909E8E84-426E-40DD-AFC4-6F175D3DCCD1}">
-              <a14:hiddenFill xmlns:a14="http://schemas.microsoft.com/office/drawing/2010/main" xmlns="">
+              <a14:hiddenFill xmlns="" xmlns:a14="http://schemas.microsoft.com/office/drawing/2010/main">
                 <a:solidFill>
                   <a:schemeClr val="accent1"/>
                 </a:solidFill>
               </a14:hiddenFill>
             </a:ext>
             <a:ext uri="{91240B29-F687-4F45-9708-019B960494DF}">
-              <a14:hiddenLine xmlns:a14="http://schemas.microsoft.com/office/drawing/2010/main" xmlns="" w="9525">
+              <a14:hiddenLine xmlns="" xmlns:a14="http://schemas.microsoft.com/office/drawing/2010/main" w="9525">
                 <a:solidFill>
                   <a:schemeClr val="tx1"/>
                 </a:solidFill>
@@ -3921,17 +3933,7 @@
                 <a:latin typeface="微軟正黑體" pitchFamily="34" charset="-120"/>
                 <a:ea typeface="微軟正黑體" pitchFamily="34" charset="-120"/>
               </a:rPr>
-              <a:t>何必計較那得失終</a:t>
-            </a:r>
-            <a:r>
-              <a:rPr lang="zh-TW" altLang="en-US" sz="4000" b="1" dirty="0" smtClean="0">
-                <a:solidFill>
-                  <a:srgbClr val="002060"/>
-                </a:solidFill>
-                <a:latin typeface="微軟正黑體" pitchFamily="34" charset="-120"/>
-                <a:ea typeface="微軟正黑體" pitchFamily="34" charset="-120"/>
-              </a:rPr>
-              <a:t>老</a:t>
+              <a:t>何必計較那得失終老</a:t>
             </a:r>
             <a:endParaRPr lang="en-US" altLang="zh-TW" sz="4000" b="1" dirty="0" smtClean="0">
               <a:solidFill>
@@ -3948,6 +3950,2185 @@
   <p:clrMapOvr>
     <a:masterClrMapping/>
   </p:clrMapOvr>
+  <p:timing>
+    <p:tnLst>
+      <p:par>
+        <p:cTn id="1" dur="indefinite" restart="never" nodeType="tmRoot"/>
+      </p:par>
+    </p:tnLst>
+  </p:timing>
+</p:sld>
+</file>
+
+<file path=ppt/slides/slide10.xml><?xml version="1.0" encoding="utf-8"?>
+<p:sld xmlns:a="http://schemas.openxmlformats.org/drawingml/2006/main" xmlns:r="http://schemas.openxmlformats.org/officeDocument/2006/relationships" xmlns:p="http://schemas.openxmlformats.org/presentationml/2006/main">
+  <p:cSld>
+    <p:spTree>
+      <p:nvGrpSpPr>
+        <p:cNvPr id="1" name=""/>
+        <p:cNvGrpSpPr/>
+        <p:nvPr/>
+      </p:nvGrpSpPr>
+      <p:grpSpPr>
+        <a:xfrm>
+          <a:off x="0" y="0"/>
+          <a:ext cx="0" cy="0"/>
+          <a:chOff x="0" y="0"/>
+          <a:chExt cx="0" cy="0"/>
+        </a:xfrm>
+      </p:grpSpPr>
+      <p:sp>
+        <p:nvSpPr>
+          <p:cNvPr id="2" name="標題 1"/>
+          <p:cNvSpPr>
+            <a:spLocks noGrp="1"/>
+          </p:cNvSpPr>
+          <p:nvPr>
+            <p:ph type="title"/>
+          </p:nvPr>
+        </p:nvSpPr>
+        <p:spPr/>
+        <p:txBody>
+          <a:bodyPr>
+            <a:normAutofit/>
+          </a:bodyPr>
+          <a:lstStyle/>
+          <a:p>
+            <a:r>
+              <a:rPr lang="zh-TW" altLang="en-US" sz="3600" b="1" dirty="0">
+                <a:solidFill>
+                  <a:srgbClr val="002060"/>
+                </a:solidFill>
+                <a:latin typeface="微軟正黑體" pitchFamily="34" charset="-120"/>
+                <a:ea typeface="微軟正黑體" pitchFamily="34" charset="-120"/>
+              </a:rPr>
+              <a:t>信心的等待</a:t>
+            </a:r>
+          </a:p>
+        </p:txBody>
+      </p:sp>
+      <p:sp>
+        <p:nvSpPr>
+          <p:cNvPr id="3" name="內容版面配置區 2"/>
+          <p:cNvSpPr>
+            <a:spLocks noGrp="1"/>
+          </p:cNvSpPr>
+          <p:nvPr>
+            <p:ph idx="1"/>
+          </p:nvPr>
+        </p:nvSpPr>
+        <p:spPr/>
+        <p:txBody>
+          <a:bodyPr>
+            <a:noAutofit/>
+          </a:bodyPr>
+          <a:lstStyle/>
+          <a:p>
+            <a:pPr algn="ctr">
+              <a:buNone/>
+            </a:pPr>
+            <a:r>
+              <a:rPr lang="zh-TW" altLang="en-US" sz="4400" b="1" dirty="0">
+                <a:solidFill>
+                  <a:srgbClr val="002060"/>
+                </a:solidFill>
+                <a:latin typeface="微軟正黑體" pitchFamily="34" charset="-120"/>
+                <a:ea typeface="微軟正黑體" pitchFamily="34" charset="-120"/>
+              </a:rPr>
+              <a:t>耶穌捉緊我雙手</a:t>
+            </a:r>
+            <a:endParaRPr lang="en-US" altLang="zh-TW" sz="4400" b="1" dirty="0">
+              <a:solidFill>
+                <a:srgbClr val="002060"/>
+              </a:solidFill>
+              <a:latin typeface="微軟正黑體" pitchFamily="34" charset="-120"/>
+              <a:ea typeface="微軟正黑體" pitchFamily="34" charset="-120"/>
+            </a:endParaRPr>
+          </a:p>
+          <a:p>
+            <a:pPr algn="ctr">
+              <a:buNone/>
+            </a:pPr>
+            <a:r>
+              <a:rPr lang="zh-TW" altLang="en-US" sz="4400" b="1" dirty="0" smtClean="0">
+                <a:solidFill>
+                  <a:srgbClr val="002060"/>
+                </a:solidFill>
+                <a:latin typeface="微軟正黑體" pitchFamily="34" charset="-120"/>
+                <a:ea typeface="微軟正黑體" pitchFamily="34" charset="-120"/>
+              </a:rPr>
+              <a:t>有</a:t>
+            </a:r>
+            <a:r>
+              <a:rPr lang="zh-CN" altLang="en-US" sz="4400" b="1" dirty="0" smtClean="0">
+                <a:solidFill>
+                  <a:srgbClr val="002060"/>
+                </a:solidFill>
+                <a:latin typeface="微軟正黑體" pitchFamily="34" charset="-120"/>
+                <a:ea typeface="微軟正黑體" pitchFamily="34" charset="-120"/>
+              </a:rPr>
+              <a:t>袮</a:t>
+            </a:r>
+            <a:r>
+              <a:rPr lang="zh-TW" altLang="en-US" sz="4400" b="1" dirty="0" smtClean="0">
+                <a:solidFill>
+                  <a:srgbClr val="002060"/>
+                </a:solidFill>
+                <a:latin typeface="微軟正黑體" pitchFamily="34" charset="-120"/>
+                <a:ea typeface="微軟正黑體" pitchFamily="34" charset="-120"/>
+              </a:rPr>
+              <a:t>的</a:t>
+            </a:r>
+            <a:r>
+              <a:rPr lang="zh-TW" altLang="en-US" sz="4400" b="1" dirty="0">
+                <a:solidFill>
+                  <a:srgbClr val="002060"/>
+                </a:solidFill>
+                <a:latin typeface="微軟正黑體" pitchFamily="34" charset="-120"/>
+                <a:ea typeface="微軟正黑體" pitchFamily="34" charset="-120"/>
+              </a:rPr>
+              <a:t>恩典我便足夠</a:t>
+            </a:r>
+            <a:endParaRPr lang="en-US" altLang="zh-TW" sz="4400" b="1" dirty="0">
+              <a:solidFill>
+                <a:srgbClr val="002060"/>
+              </a:solidFill>
+              <a:latin typeface="微軟正黑體" pitchFamily="34" charset="-120"/>
+              <a:ea typeface="微軟正黑體" pitchFamily="34" charset="-120"/>
+            </a:endParaRPr>
+          </a:p>
+          <a:p>
+            <a:pPr algn="ctr">
+              <a:buNone/>
+            </a:pPr>
+            <a:r>
+              <a:rPr lang="zh-TW" altLang="en-US" sz="4400" b="1" dirty="0">
+                <a:solidFill>
+                  <a:srgbClr val="002060"/>
+                </a:solidFill>
+                <a:latin typeface="微軟正黑體" pitchFamily="34" charset="-120"/>
+                <a:ea typeface="微軟正黑體" pitchFamily="34" charset="-120"/>
+              </a:rPr>
+              <a:t>讓我可清心</a:t>
+            </a:r>
+            <a:r>
+              <a:rPr lang="zh-TW" altLang="en-US" sz="4400" b="1" dirty="0" smtClean="0">
+                <a:solidFill>
+                  <a:srgbClr val="002060"/>
+                </a:solidFill>
+                <a:latin typeface="微軟正黑體" pitchFamily="34" charset="-120"/>
+                <a:ea typeface="微軟正黑體" pitchFamily="34" charset="-120"/>
+              </a:rPr>
+              <a:t>見</a:t>
+            </a:r>
+            <a:r>
+              <a:rPr lang="zh-CN" altLang="en-US" sz="4400" b="1" dirty="0" smtClean="0">
+                <a:solidFill>
+                  <a:srgbClr val="002060"/>
+                </a:solidFill>
+                <a:latin typeface="微軟正黑體" pitchFamily="34" charset="-120"/>
+                <a:ea typeface="微軟正黑體" pitchFamily="34" charset="-120"/>
+              </a:rPr>
+              <a:t>袮</a:t>
+            </a:r>
+            <a:r>
+              <a:rPr lang="zh-TW" altLang="en-US" sz="4400" b="1" dirty="0" smtClean="0">
+                <a:solidFill>
+                  <a:srgbClr val="002060"/>
+                </a:solidFill>
+                <a:latin typeface="微軟正黑體" pitchFamily="34" charset="-120"/>
+                <a:ea typeface="微軟正黑體" pitchFamily="34" charset="-120"/>
+              </a:rPr>
+              <a:t>面</a:t>
+            </a:r>
+            <a:endParaRPr lang="en-US" altLang="zh-TW" sz="4400" b="1" dirty="0">
+              <a:solidFill>
+                <a:srgbClr val="002060"/>
+              </a:solidFill>
+              <a:latin typeface="微軟正黑體" pitchFamily="34" charset="-120"/>
+              <a:ea typeface="微軟正黑體" pitchFamily="34" charset="-120"/>
+            </a:endParaRPr>
+          </a:p>
+          <a:p>
+            <a:pPr algn="ctr">
+              <a:buNone/>
+            </a:pPr>
+            <a:r>
+              <a:rPr lang="zh-TW" altLang="en-US" sz="4400" b="1" dirty="0">
+                <a:solidFill>
+                  <a:srgbClr val="002060"/>
+                </a:solidFill>
+                <a:latin typeface="微軟正黑體" pitchFamily="34" charset="-120"/>
+                <a:ea typeface="微軟正黑體" pitchFamily="34" charset="-120"/>
+              </a:rPr>
+              <a:t>使我必得見光</a:t>
+            </a:r>
+          </a:p>
+        </p:txBody>
+      </p:sp>
+    </p:spTree>
+  </p:cSld>
+  <p:clrMapOvr>
+    <a:masterClrMapping/>
+  </p:clrMapOvr>
+  <p:timing>
+    <p:tnLst>
+      <p:par>
+        <p:cTn id="1" dur="indefinite" restart="never" nodeType="tmRoot"/>
+      </p:par>
+    </p:tnLst>
+  </p:timing>
+</p:sld>
+</file>
+
+<file path=ppt/slides/slide11.xml><?xml version="1.0" encoding="utf-8"?>
+<p:sld xmlns:a="http://schemas.openxmlformats.org/drawingml/2006/main" xmlns:r="http://schemas.openxmlformats.org/officeDocument/2006/relationships" xmlns:p="http://schemas.openxmlformats.org/presentationml/2006/main">
+  <p:cSld>
+    <p:spTree>
+      <p:nvGrpSpPr>
+        <p:cNvPr id="1" name=""/>
+        <p:cNvGrpSpPr/>
+        <p:nvPr/>
+      </p:nvGrpSpPr>
+      <p:grpSpPr>
+        <a:xfrm>
+          <a:off x="0" y="0"/>
+          <a:ext cx="0" cy="0"/>
+          <a:chOff x="0" y="0"/>
+          <a:chExt cx="0" cy="0"/>
+        </a:xfrm>
+      </p:grpSpPr>
+      <p:sp>
+        <p:nvSpPr>
+          <p:cNvPr id="2" name="標題 1"/>
+          <p:cNvSpPr>
+            <a:spLocks noGrp="1"/>
+          </p:cNvSpPr>
+          <p:nvPr>
+            <p:ph type="title"/>
+          </p:nvPr>
+        </p:nvSpPr>
+        <p:spPr/>
+        <p:txBody>
+          <a:bodyPr>
+            <a:normAutofit/>
+          </a:bodyPr>
+          <a:lstStyle/>
+          <a:p>
+            <a:r>
+              <a:rPr lang="zh-TW" altLang="en-US" sz="3600" b="1" dirty="0">
+                <a:solidFill>
+                  <a:srgbClr val="002060"/>
+                </a:solidFill>
+                <a:latin typeface="微軟正黑體" pitchFamily="34" charset="-120"/>
+                <a:ea typeface="微軟正黑體" pitchFamily="34" charset="-120"/>
+              </a:rPr>
+              <a:t>信心的等待</a:t>
+            </a:r>
+          </a:p>
+        </p:txBody>
+      </p:sp>
+      <p:sp>
+        <p:nvSpPr>
+          <p:cNvPr id="3" name="內容版面配置區 2"/>
+          <p:cNvSpPr>
+            <a:spLocks noGrp="1"/>
+          </p:cNvSpPr>
+          <p:nvPr>
+            <p:ph idx="1"/>
+          </p:nvPr>
+        </p:nvSpPr>
+        <p:spPr/>
+        <p:txBody>
+          <a:bodyPr>
+            <a:noAutofit/>
+          </a:bodyPr>
+          <a:lstStyle/>
+          <a:p>
+            <a:pPr algn="ctr">
+              <a:buNone/>
+            </a:pPr>
+            <a:r>
+              <a:rPr lang="zh-TW" altLang="en-US" sz="4400" b="1" dirty="0">
+                <a:solidFill>
+                  <a:srgbClr val="002060"/>
+                </a:solidFill>
+                <a:latin typeface="微軟正黑體" pitchFamily="34" charset="-120"/>
+                <a:ea typeface="微軟正黑體" pitchFamily="34" charset="-120"/>
+              </a:rPr>
+              <a:t>耶穌捉緊我雙手</a:t>
+            </a:r>
+            <a:endParaRPr lang="en-US" altLang="zh-TW" sz="4400" b="1" dirty="0">
+              <a:solidFill>
+                <a:srgbClr val="002060"/>
+              </a:solidFill>
+              <a:latin typeface="微軟正黑體" pitchFamily="34" charset="-120"/>
+              <a:ea typeface="微軟正黑體" pitchFamily="34" charset="-120"/>
+            </a:endParaRPr>
+          </a:p>
+          <a:p>
+            <a:pPr algn="ctr">
+              <a:buNone/>
+            </a:pPr>
+            <a:r>
+              <a:rPr lang="zh-TW" altLang="en-US" sz="4400" b="1" dirty="0">
+                <a:solidFill>
+                  <a:srgbClr val="002060"/>
+                </a:solidFill>
+                <a:latin typeface="微軟正黑體" pitchFamily="34" charset="-120"/>
+                <a:ea typeface="微軟正黑體" pitchFamily="34" charset="-120"/>
+              </a:rPr>
+              <a:t>仰望那財寶在天上</a:t>
+            </a:r>
+            <a:endParaRPr lang="en-US" altLang="zh-TW" sz="4400" b="1" dirty="0">
+              <a:solidFill>
+                <a:srgbClr val="002060"/>
+              </a:solidFill>
+              <a:latin typeface="微軟正黑體" pitchFamily="34" charset="-120"/>
+              <a:ea typeface="微軟正黑體" pitchFamily="34" charset="-120"/>
+            </a:endParaRPr>
+          </a:p>
+          <a:p>
+            <a:pPr algn="ctr">
+              <a:buNone/>
+            </a:pPr>
+            <a:r>
+              <a:rPr lang="zh-TW" altLang="en-US" sz="4400" b="1" dirty="0">
+                <a:solidFill>
+                  <a:srgbClr val="002060"/>
+                </a:solidFill>
+                <a:latin typeface="微軟正黑體" pitchFamily="34" charset="-120"/>
+                <a:ea typeface="微軟正黑體" pitchFamily="34" charset="-120"/>
+              </a:rPr>
+              <a:t>愛慕神的   抱著平安</a:t>
+            </a:r>
+            <a:endParaRPr lang="en-US" altLang="zh-TW" sz="4400" b="1" dirty="0">
+              <a:solidFill>
+                <a:srgbClr val="002060"/>
+              </a:solidFill>
+              <a:latin typeface="微軟正黑體" pitchFamily="34" charset="-120"/>
+              <a:ea typeface="微軟正黑體" pitchFamily="34" charset="-120"/>
+            </a:endParaRPr>
+          </a:p>
+          <a:p>
+            <a:pPr algn="ctr">
+              <a:buNone/>
+            </a:pPr>
+            <a:r>
+              <a:rPr lang="zh-TW" altLang="en-US" sz="4400" b="1" dirty="0" smtClean="0">
+                <a:solidFill>
+                  <a:srgbClr val="002060"/>
+                </a:solidFill>
+                <a:latin typeface="微軟正黑體" pitchFamily="34" charset="-120"/>
+                <a:ea typeface="微軟正黑體" pitchFamily="34" charset="-120"/>
+              </a:rPr>
+              <a:t>感謝</a:t>
+            </a:r>
+            <a:r>
+              <a:rPr lang="zh-CN" altLang="en-US" sz="4400" b="1" dirty="0" smtClean="0">
+                <a:solidFill>
+                  <a:srgbClr val="002060"/>
+                </a:solidFill>
+                <a:latin typeface="微軟正黑體" pitchFamily="34" charset="-120"/>
+                <a:ea typeface="微軟正黑體" pitchFamily="34" charset="-120"/>
+              </a:rPr>
+              <a:t>袮</a:t>
+            </a:r>
+            <a:r>
+              <a:rPr lang="zh-TW" altLang="en-US" sz="4400" b="1" dirty="0" smtClean="0">
+                <a:solidFill>
+                  <a:srgbClr val="002060"/>
+                </a:solidFill>
+                <a:latin typeface="微軟正黑體" pitchFamily="34" charset="-120"/>
+                <a:ea typeface="微軟正黑體" pitchFamily="34" charset="-120"/>
+              </a:rPr>
+              <a:t>為</a:t>
+            </a:r>
+            <a:r>
+              <a:rPr lang="zh-TW" altLang="en-US" sz="4400" b="1" dirty="0">
+                <a:solidFill>
+                  <a:srgbClr val="002060"/>
+                </a:solidFill>
+                <a:latin typeface="微軟正黑體" pitchFamily="34" charset="-120"/>
+                <a:ea typeface="微軟正黑體" pitchFamily="34" charset="-120"/>
+              </a:rPr>
+              <a:t>我所編寫的一切</a:t>
+            </a:r>
+          </a:p>
+        </p:txBody>
+      </p:sp>
+    </p:spTree>
+  </p:cSld>
+  <p:clrMapOvr>
+    <a:masterClrMapping/>
+  </p:clrMapOvr>
+  <p:timing>
+    <p:tnLst>
+      <p:par>
+        <p:cTn id="1" dur="indefinite" restart="never" nodeType="tmRoot"/>
+      </p:par>
+    </p:tnLst>
+  </p:timing>
+</p:sld>
+</file>
+
+<file path=ppt/slides/slide12.xml><?xml version="1.0" encoding="utf-8"?>
+<p:sld xmlns:a="http://schemas.openxmlformats.org/drawingml/2006/main" xmlns:r="http://schemas.openxmlformats.org/officeDocument/2006/relationships" xmlns:p="http://schemas.openxmlformats.org/presentationml/2006/main">
+  <p:cSld>
+    <p:spTree>
+      <p:nvGrpSpPr>
+        <p:cNvPr id="1" name=""/>
+        <p:cNvGrpSpPr/>
+        <p:nvPr/>
+      </p:nvGrpSpPr>
+      <p:grpSpPr>
+        <a:xfrm>
+          <a:off x="0" y="0"/>
+          <a:ext cx="0" cy="0"/>
+          <a:chOff x="0" y="0"/>
+          <a:chExt cx="0" cy="0"/>
+        </a:xfrm>
+      </p:grpSpPr>
+      <p:sp>
+        <p:nvSpPr>
+          <p:cNvPr id="2" name="標題 1"/>
+          <p:cNvSpPr>
+            <a:spLocks noGrp="1"/>
+          </p:cNvSpPr>
+          <p:nvPr>
+            <p:ph type="title"/>
+          </p:nvPr>
+        </p:nvSpPr>
+        <p:spPr/>
+        <p:txBody>
+          <a:bodyPr>
+            <a:normAutofit/>
+          </a:bodyPr>
+          <a:lstStyle/>
+          <a:p>
+            <a:r>
+              <a:rPr lang="zh-TW" altLang="en-US" sz="4000" b="1" dirty="0" smtClean="0">
+                <a:solidFill>
+                  <a:srgbClr val="660033"/>
+                </a:solidFill>
+                <a:latin typeface="微軟正黑體" pitchFamily="34" charset="-120"/>
+                <a:ea typeface="微軟正黑體" pitchFamily="34" charset="-120"/>
+              </a:rPr>
+              <a:t>平安</a:t>
+            </a:r>
+            <a:endParaRPr lang="zh-TW" altLang="en-US" sz="4000" b="1" dirty="0">
+              <a:solidFill>
+                <a:srgbClr val="660033"/>
+              </a:solidFill>
+              <a:latin typeface="微軟正黑體" pitchFamily="34" charset="-120"/>
+              <a:ea typeface="微軟正黑體" pitchFamily="34" charset="-120"/>
+            </a:endParaRPr>
+          </a:p>
+        </p:txBody>
+      </p:sp>
+      <p:sp>
+        <p:nvSpPr>
+          <p:cNvPr id="3" name="內容版面配置區 2"/>
+          <p:cNvSpPr>
+            <a:spLocks noGrp="1"/>
+          </p:cNvSpPr>
+          <p:nvPr>
+            <p:ph idx="1"/>
+          </p:nvPr>
+        </p:nvSpPr>
+        <p:spPr/>
+        <p:txBody>
+          <a:bodyPr>
+            <a:normAutofit/>
+          </a:bodyPr>
+          <a:lstStyle/>
+          <a:p>
+            <a:pPr algn="ctr">
+              <a:buNone/>
+            </a:pPr>
+            <a:r>
+              <a:rPr lang="zh-TW" altLang="en-US" sz="4400" b="1" dirty="0" smtClean="0">
+                <a:solidFill>
+                  <a:srgbClr val="660033"/>
+                </a:solidFill>
+                <a:latin typeface="微軟正黑體" pitchFamily="34" charset="-120"/>
+                <a:ea typeface="微軟正黑體" pitchFamily="34" charset="-120"/>
+              </a:rPr>
+              <a:t>就算世界刮著狂風暴雨 </a:t>
+            </a:r>
+            <a:endParaRPr lang="en-US" altLang="zh-TW" sz="4400" b="1" dirty="0" smtClean="0">
+              <a:solidFill>
+                <a:srgbClr val="660033"/>
+              </a:solidFill>
+              <a:latin typeface="微軟正黑體" pitchFamily="34" charset="-120"/>
+              <a:ea typeface="微軟正黑體" pitchFamily="34" charset="-120"/>
+            </a:endParaRPr>
+          </a:p>
+          <a:p>
+            <a:pPr algn="ctr">
+              <a:buNone/>
+            </a:pPr>
+            <a:r>
+              <a:rPr lang="zh-TW" altLang="en-US" sz="4400" b="1" dirty="0" smtClean="0">
+                <a:solidFill>
+                  <a:srgbClr val="660033"/>
+                </a:solidFill>
+                <a:latin typeface="微軟正黑體" pitchFamily="34" charset="-120"/>
+                <a:ea typeface="微軟正黑體" pitchFamily="34" charset="-120"/>
+              </a:rPr>
+              <a:t>我心仍是穩妥安舒 </a:t>
+            </a:r>
+            <a:endParaRPr lang="en-US" altLang="zh-TW" sz="4400" b="1" dirty="0" smtClean="0">
+              <a:solidFill>
+                <a:srgbClr val="660033"/>
+              </a:solidFill>
+              <a:latin typeface="微軟正黑體" pitchFamily="34" charset="-120"/>
+              <a:ea typeface="微軟正黑體" pitchFamily="34" charset="-120"/>
+            </a:endParaRPr>
+          </a:p>
+          <a:p>
+            <a:pPr algn="ctr">
+              <a:buNone/>
+            </a:pPr>
+            <a:r>
+              <a:rPr lang="zh-TW" altLang="en-US" sz="4400" b="1" dirty="0" smtClean="0">
+                <a:solidFill>
+                  <a:srgbClr val="660033"/>
+                </a:solidFill>
+                <a:latin typeface="微軟正黑體" pitchFamily="34" charset="-120"/>
+                <a:ea typeface="微軟正黑體" pitchFamily="34" charset="-120"/>
+              </a:rPr>
+              <a:t>無論前路灰暗 憂傷困倦 </a:t>
+            </a:r>
+            <a:endParaRPr lang="en-US" altLang="zh-TW" sz="4400" b="1" dirty="0" smtClean="0">
+              <a:solidFill>
+                <a:srgbClr val="660033"/>
+              </a:solidFill>
+              <a:latin typeface="微軟正黑體" pitchFamily="34" charset="-120"/>
+              <a:ea typeface="微軟正黑體" pitchFamily="34" charset="-120"/>
+            </a:endParaRPr>
+          </a:p>
+          <a:p>
+            <a:pPr algn="ctr">
+              <a:buNone/>
+            </a:pPr>
+            <a:r>
+              <a:rPr lang="zh-TW" altLang="en-US" sz="4400" b="1" dirty="0" smtClean="0">
+                <a:solidFill>
+                  <a:srgbClr val="660033"/>
+                </a:solidFill>
+                <a:latin typeface="微軟正黑體" pitchFamily="34" charset="-120"/>
+                <a:ea typeface="微軟正黑體" pitchFamily="34" charset="-120"/>
+              </a:rPr>
+              <a:t>祢讓我站穩 磐石之處</a:t>
+            </a:r>
+            <a:endParaRPr lang="zh-TW" altLang="en-US" sz="4400" b="1" dirty="0">
+              <a:solidFill>
+                <a:srgbClr val="660033"/>
+              </a:solidFill>
+              <a:latin typeface="微軟正黑體" pitchFamily="34" charset="-120"/>
+              <a:ea typeface="微軟正黑體" pitchFamily="34" charset="-120"/>
+            </a:endParaRPr>
+          </a:p>
+        </p:txBody>
+      </p:sp>
+      <p:sp>
+        <p:nvSpPr>
+          <p:cNvPr id="4" name="文字方塊 3"/>
+          <p:cNvSpPr txBox="1"/>
+          <p:nvPr/>
+        </p:nvSpPr>
+        <p:spPr>
+          <a:xfrm>
+            <a:off x="0" y="4500576"/>
+            <a:ext cx="9144000" cy="400110"/>
+          </a:xfrm>
+          <a:prstGeom prst="rect">
+            <a:avLst/>
+          </a:prstGeom>
+          <a:noFill/>
+        </p:spPr>
+        <p:txBody>
+          <a:bodyPr wrap="square" rtlCol="0">
+            <a:spAutoFit/>
+          </a:bodyPr>
+          <a:lstStyle/>
+          <a:p>
+            <a:pPr algn="ctr"/>
+            <a:r>
+              <a:rPr lang="en-US" altLang="zh-TW" sz="2000" b="1" dirty="0" smtClean="0">
+                <a:solidFill>
+                  <a:srgbClr val="660033"/>
+                </a:solidFill>
+              </a:rPr>
+              <a:t>( Verse 1 )</a:t>
+            </a:r>
+            <a:endParaRPr lang="zh-TW" altLang="en-US" sz="2000" b="1" dirty="0">
+              <a:solidFill>
+                <a:srgbClr val="660033"/>
+              </a:solidFill>
+            </a:endParaRPr>
+          </a:p>
+        </p:txBody>
+      </p:sp>
+    </p:spTree>
+  </p:cSld>
+  <p:clrMapOvr>
+    <a:masterClrMapping/>
+  </p:clrMapOvr>
+  <p:timing>
+    <p:tnLst>
+      <p:par>
+        <p:cTn id="1" dur="indefinite" restart="never" nodeType="tmRoot"/>
+      </p:par>
+    </p:tnLst>
+  </p:timing>
+</p:sld>
+</file>
+
+<file path=ppt/slides/slide13.xml><?xml version="1.0" encoding="utf-8"?>
+<p:sld xmlns:a="http://schemas.openxmlformats.org/drawingml/2006/main" xmlns:r="http://schemas.openxmlformats.org/officeDocument/2006/relationships" xmlns:p="http://schemas.openxmlformats.org/presentationml/2006/main">
+  <p:cSld>
+    <p:spTree>
+      <p:nvGrpSpPr>
+        <p:cNvPr id="1" name=""/>
+        <p:cNvGrpSpPr/>
+        <p:nvPr/>
+      </p:nvGrpSpPr>
+      <p:grpSpPr>
+        <a:xfrm>
+          <a:off x="0" y="0"/>
+          <a:ext cx="0" cy="0"/>
+          <a:chOff x="0" y="0"/>
+          <a:chExt cx="0" cy="0"/>
+        </a:xfrm>
+      </p:grpSpPr>
+      <p:sp>
+        <p:nvSpPr>
+          <p:cNvPr id="2" name="標題 1"/>
+          <p:cNvSpPr>
+            <a:spLocks noGrp="1"/>
+          </p:cNvSpPr>
+          <p:nvPr>
+            <p:ph type="title"/>
+          </p:nvPr>
+        </p:nvSpPr>
+        <p:spPr/>
+        <p:txBody>
+          <a:bodyPr>
+            <a:normAutofit/>
+          </a:bodyPr>
+          <a:lstStyle/>
+          <a:p>
+            <a:r>
+              <a:rPr lang="zh-TW" altLang="en-US" sz="4000" b="1" dirty="0" smtClean="0">
+                <a:solidFill>
+                  <a:srgbClr val="660033"/>
+                </a:solidFill>
+                <a:latin typeface="微軟正黑體" pitchFamily="34" charset="-120"/>
+                <a:ea typeface="微軟正黑體" pitchFamily="34" charset="-120"/>
+              </a:rPr>
+              <a:t>平安</a:t>
+            </a:r>
+            <a:endParaRPr lang="zh-TW" altLang="en-US" sz="4000" b="1" dirty="0">
+              <a:solidFill>
+                <a:srgbClr val="660033"/>
+              </a:solidFill>
+              <a:latin typeface="微軟正黑體" pitchFamily="34" charset="-120"/>
+              <a:ea typeface="微軟正黑體" pitchFamily="34" charset="-120"/>
+            </a:endParaRPr>
+          </a:p>
+        </p:txBody>
+      </p:sp>
+      <p:sp>
+        <p:nvSpPr>
+          <p:cNvPr id="3" name="內容版面配置區 2"/>
+          <p:cNvSpPr>
+            <a:spLocks noGrp="1"/>
+          </p:cNvSpPr>
+          <p:nvPr>
+            <p:ph idx="1"/>
+          </p:nvPr>
+        </p:nvSpPr>
+        <p:spPr/>
+        <p:txBody>
+          <a:bodyPr>
+            <a:normAutofit/>
+          </a:bodyPr>
+          <a:lstStyle/>
+          <a:p>
+            <a:pPr algn="ctr">
+              <a:buNone/>
+            </a:pPr>
+            <a:r>
+              <a:rPr lang="zh-TW" altLang="en-US" sz="4400" b="1" dirty="0" smtClean="0">
+                <a:solidFill>
+                  <a:srgbClr val="660033"/>
+                </a:solidFill>
+                <a:latin typeface="微軟正黑體" pitchFamily="34" charset="-120"/>
+                <a:ea typeface="微軟正黑體" pitchFamily="34" charset="-120"/>
+              </a:rPr>
+              <a:t>主 祢賜下</a:t>
+            </a:r>
+            <a:r>
+              <a:rPr lang="zh-TW" altLang="en-US" sz="4400" b="1" dirty="0" smtClean="0">
+                <a:solidFill>
+                  <a:srgbClr val="660033"/>
+                </a:solidFill>
+                <a:latin typeface="微軟正黑體" pitchFamily="34" charset="-120"/>
+                <a:ea typeface="微軟正黑體" pitchFamily="34" charset="-120"/>
+              </a:rPr>
+              <a:t>這平安</a:t>
+            </a:r>
+            <a:endParaRPr lang="en-US" altLang="zh-TW" sz="4400" b="1" dirty="0" smtClean="0">
+              <a:solidFill>
+                <a:srgbClr val="660033"/>
+              </a:solidFill>
+              <a:latin typeface="微軟正黑體" pitchFamily="34" charset="-120"/>
+              <a:ea typeface="微軟正黑體" pitchFamily="34" charset="-120"/>
+            </a:endParaRPr>
+          </a:p>
+          <a:p>
+            <a:pPr algn="ctr">
+              <a:buNone/>
+            </a:pPr>
+            <a:r>
+              <a:rPr lang="zh-TW" altLang="en-US" sz="4400" b="1" dirty="0" smtClean="0">
+                <a:solidFill>
+                  <a:srgbClr val="660033"/>
+                </a:solidFill>
+                <a:latin typeface="微軟正黑體" pitchFamily="34" charset="-120"/>
+                <a:ea typeface="微軟正黑體" pitchFamily="34" charset="-120"/>
+              </a:rPr>
+              <a:t>是用重價換來</a:t>
+            </a:r>
+            <a:r>
+              <a:rPr lang="zh-TW" altLang="en-US" sz="4400" b="1" dirty="0" smtClean="0">
+                <a:solidFill>
+                  <a:srgbClr val="660033"/>
+                </a:solidFill>
+                <a:latin typeface="微軟正黑體" pitchFamily="34" charset="-120"/>
+                <a:ea typeface="微軟正黑體" pitchFamily="34" charset="-120"/>
+              </a:rPr>
+              <a:t>的</a:t>
+            </a:r>
+            <a:r>
+              <a:rPr lang="zh-CN" altLang="en-US" sz="4400" b="1" dirty="0" smtClean="0">
+                <a:solidFill>
+                  <a:srgbClr val="660033"/>
+                </a:solidFill>
+                <a:latin typeface="微軟正黑體" pitchFamily="34" charset="-120"/>
+                <a:ea typeface="微軟正黑體" pitchFamily="34" charset="-120"/>
+              </a:rPr>
+              <a:t>恩典</a:t>
+            </a:r>
+            <a:endParaRPr lang="en-US" altLang="zh-TW" sz="4400" b="1" dirty="0" smtClean="0">
+              <a:solidFill>
+                <a:srgbClr val="660033"/>
+              </a:solidFill>
+              <a:latin typeface="微軟正黑體" pitchFamily="34" charset="-120"/>
+              <a:ea typeface="微軟正黑體" pitchFamily="34" charset="-120"/>
+            </a:endParaRPr>
+          </a:p>
+          <a:p>
+            <a:pPr algn="ctr">
+              <a:buNone/>
+            </a:pPr>
+            <a:r>
+              <a:rPr lang="zh-TW" altLang="en-US" sz="4400" b="1" dirty="0" smtClean="0">
+                <a:solidFill>
+                  <a:srgbClr val="660033"/>
+                </a:solidFill>
+                <a:latin typeface="微軟正黑體" pitchFamily="34" charset="-120"/>
+                <a:ea typeface="微軟正黑體" pitchFamily="34" charset="-120"/>
+              </a:rPr>
+              <a:t>受鞭傷使我得醫治</a:t>
+            </a:r>
+            <a:endParaRPr lang="en-US" altLang="zh-TW" sz="4400" b="1" dirty="0" smtClean="0">
+              <a:solidFill>
+                <a:srgbClr val="660033"/>
+              </a:solidFill>
+              <a:latin typeface="微軟正黑體" pitchFamily="34" charset="-120"/>
+              <a:ea typeface="微軟正黑體" pitchFamily="34" charset="-120"/>
+            </a:endParaRPr>
+          </a:p>
+          <a:p>
+            <a:pPr algn="ctr">
+              <a:buNone/>
+            </a:pPr>
+            <a:r>
+              <a:rPr lang="zh-TW" altLang="en-US" sz="4400" b="1" dirty="0" smtClean="0">
+                <a:solidFill>
+                  <a:srgbClr val="660033"/>
+                </a:solidFill>
+                <a:latin typeface="微軟正黑體" pitchFamily="34" charset="-120"/>
+                <a:ea typeface="微軟正黑體" pitchFamily="34" charset="-120"/>
+              </a:rPr>
+              <a:t>受刑罰讓我得到赦免</a:t>
+            </a:r>
+          </a:p>
+        </p:txBody>
+      </p:sp>
+      <p:sp>
+        <p:nvSpPr>
+          <p:cNvPr id="4" name="文字方塊 3"/>
+          <p:cNvSpPr txBox="1"/>
+          <p:nvPr/>
+        </p:nvSpPr>
+        <p:spPr>
+          <a:xfrm>
+            <a:off x="0" y="4500576"/>
+            <a:ext cx="9144000" cy="400110"/>
+          </a:xfrm>
+          <a:prstGeom prst="rect">
+            <a:avLst/>
+          </a:prstGeom>
+          <a:noFill/>
+        </p:spPr>
+        <p:txBody>
+          <a:bodyPr wrap="square" rtlCol="0">
+            <a:spAutoFit/>
+          </a:bodyPr>
+          <a:lstStyle/>
+          <a:p>
+            <a:pPr algn="ctr"/>
+            <a:r>
+              <a:rPr lang="en-US" altLang="zh-TW" sz="2000" b="1" dirty="0" smtClean="0">
+                <a:solidFill>
+                  <a:srgbClr val="660033"/>
+                </a:solidFill>
+              </a:rPr>
+              <a:t>( Chorus 2 )</a:t>
+            </a:r>
+            <a:endParaRPr lang="zh-TW" altLang="en-US" sz="2000" b="1" dirty="0">
+              <a:solidFill>
+                <a:srgbClr val="660033"/>
+              </a:solidFill>
+            </a:endParaRPr>
+          </a:p>
+        </p:txBody>
+      </p:sp>
+    </p:spTree>
+  </p:cSld>
+  <p:clrMapOvr>
+    <a:masterClrMapping/>
+  </p:clrMapOvr>
+  <p:timing>
+    <p:tnLst>
+      <p:par>
+        <p:cTn id="1" dur="indefinite" restart="never" nodeType="tmRoot"/>
+      </p:par>
+    </p:tnLst>
+  </p:timing>
+</p:sld>
+</file>
+
+<file path=ppt/slides/slide14.xml><?xml version="1.0" encoding="utf-8"?>
+<p:sld xmlns:a="http://schemas.openxmlformats.org/drawingml/2006/main" xmlns:r="http://schemas.openxmlformats.org/officeDocument/2006/relationships" xmlns:p="http://schemas.openxmlformats.org/presentationml/2006/main">
+  <p:cSld>
+    <p:spTree>
+      <p:nvGrpSpPr>
+        <p:cNvPr id="1" name=""/>
+        <p:cNvGrpSpPr/>
+        <p:nvPr/>
+      </p:nvGrpSpPr>
+      <p:grpSpPr>
+        <a:xfrm>
+          <a:off x="0" y="0"/>
+          <a:ext cx="0" cy="0"/>
+          <a:chOff x="0" y="0"/>
+          <a:chExt cx="0" cy="0"/>
+        </a:xfrm>
+      </p:grpSpPr>
+      <p:sp>
+        <p:nvSpPr>
+          <p:cNvPr id="2" name="標題 1"/>
+          <p:cNvSpPr>
+            <a:spLocks noGrp="1"/>
+          </p:cNvSpPr>
+          <p:nvPr>
+            <p:ph type="title"/>
+          </p:nvPr>
+        </p:nvSpPr>
+        <p:spPr/>
+        <p:txBody>
+          <a:bodyPr>
+            <a:normAutofit/>
+          </a:bodyPr>
+          <a:lstStyle/>
+          <a:p>
+            <a:r>
+              <a:rPr lang="zh-TW" altLang="en-US" sz="4000" b="1" dirty="0" smtClean="0">
+                <a:solidFill>
+                  <a:srgbClr val="660033"/>
+                </a:solidFill>
+                <a:latin typeface="微軟正黑體" pitchFamily="34" charset="-120"/>
+                <a:ea typeface="微軟正黑體" pitchFamily="34" charset="-120"/>
+              </a:rPr>
+              <a:t>平安</a:t>
+            </a:r>
+            <a:endParaRPr lang="zh-TW" altLang="en-US" sz="4000" b="1" dirty="0">
+              <a:solidFill>
+                <a:srgbClr val="660033"/>
+              </a:solidFill>
+              <a:latin typeface="微軟正黑體" pitchFamily="34" charset="-120"/>
+              <a:ea typeface="微軟正黑體" pitchFamily="34" charset="-120"/>
+            </a:endParaRPr>
+          </a:p>
+        </p:txBody>
+      </p:sp>
+      <p:sp>
+        <p:nvSpPr>
+          <p:cNvPr id="3" name="內容版面配置區 2"/>
+          <p:cNvSpPr>
+            <a:spLocks noGrp="1"/>
+          </p:cNvSpPr>
+          <p:nvPr>
+            <p:ph idx="1"/>
+          </p:nvPr>
+        </p:nvSpPr>
+        <p:spPr/>
+        <p:txBody>
+          <a:bodyPr>
+            <a:normAutofit/>
+          </a:bodyPr>
+          <a:lstStyle/>
+          <a:p>
+            <a:pPr algn="ctr">
+              <a:buNone/>
+            </a:pPr>
+            <a:r>
+              <a:rPr lang="zh-TW" altLang="en-US" sz="4400" b="1" dirty="0" smtClean="0">
+                <a:solidFill>
+                  <a:srgbClr val="660033"/>
+                </a:solidFill>
+                <a:latin typeface="微軟正黑體" pitchFamily="34" charset="-120"/>
+                <a:ea typeface="微軟正黑體" pitchFamily="34" charset="-120"/>
+              </a:rPr>
+              <a:t>就算世界刮著狂風暴雨 </a:t>
+            </a:r>
+            <a:endParaRPr lang="en-US" altLang="zh-TW" sz="4400" b="1" dirty="0" smtClean="0">
+              <a:solidFill>
+                <a:srgbClr val="660033"/>
+              </a:solidFill>
+              <a:latin typeface="微軟正黑體" pitchFamily="34" charset="-120"/>
+              <a:ea typeface="微軟正黑體" pitchFamily="34" charset="-120"/>
+            </a:endParaRPr>
+          </a:p>
+          <a:p>
+            <a:pPr algn="ctr">
+              <a:buNone/>
+            </a:pPr>
+            <a:r>
+              <a:rPr lang="zh-TW" altLang="en-US" sz="4400" b="1" dirty="0" smtClean="0">
+                <a:solidFill>
+                  <a:srgbClr val="660033"/>
+                </a:solidFill>
+                <a:latin typeface="微軟正黑體" pitchFamily="34" charset="-120"/>
+                <a:ea typeface="微軟正黑體" pitchFamily="34" charset="-120"/>
+              </a:rPr>
+              <a:t>我心仍是穩妥安舒 </a:t>
+            </a:r>
+            <a:endParaRPr lang="en-US" altLang="zh-TW" sz="4400" b="1" dirty="0" smtClean="0">
+              <a:solidFill>
+                <a:srgbClr val="660033"/>
+              </a:solidFill>
+              <a:latin typeface="微軟正黑體" pitchFamily="34" charset="-120"/>
+              <a:ea typeface="微軟正黑體" pitchFamily="34" charset="-120"/>
+            </a:endParaRPr>
+          </a:p>
+          <a:p>
+            <a:pPr algn="ctr">
+              <a:buNone/>
+            </a:pPr>
+            <a:r>
+              <a:rPr lang="zh-TW" altLang="en-US" sz="4400" b="1" dirty="0" smtClean="0">
+                <a:solidFill>
+                  <a:srgbClr val="660033"/>
+                </a:solidFill>
+                <a:latin typeface="微軟正黑體" pitchFamily="34" charset="-120"/>
+                <a:ea typeface="微軟正黑體" pitchFamily="34" charset="-120"/>
+              </a:rPr>
+              <a:t>無論前路灰暗 憂傷困倦 </a:t>
+            </a:r>
+            <a:endParaRPr lang="en-US" altLang="zh-TW" sz="4400" b="1" dirty="0" smtClean="0">
+              <a:solidFill>
+                <a:srgbClr val="660033"/>
+              </a:solidFill>
+              <a:latin typeface="微軟正黑體" pitchFamily="34" charset="-120"/>
+              <a:ea typeface="微軟正黑體" pitchFamily="34" charset="-120"/>
+            </a:endParaRPr>
+          </a:p>
+          <a:p>
+            <a:pPr algn="ctr">
+              <a:buNone/>
+            </a:pPr>
+            <a:r>
+              <a:rPr lang="zh-TW" altLang="en-US" sz="4400" b="1" dirty="0" smtClean="0">
+                <a:solidFill>
+                  <a:srgbClr val="660033"/>
+                </a:solidFill>
+                <a:latin typeface="微軟正黑體" pitchFamily="34" charset="-120"/>
+                <a:ea typeface="微軟正黑體" pitchFamily="34" charset="-120"/>
+              </a:rPr>
+              <a:t>祢讓我站穩 磐石之處</a:t>
+            </a:r>
+            <a:endParaRPr lang="zh-TW" altLang="en-US" sz="4400" b="1" dirty="0">
+              <a:solidFill>
+                <a:srgbClr val="660033"/>
+              </a:solidFill>
+              <a:latin typeface="微軟正黑體" pitchFamily="34" charset="-120"/>
+              <a:ea typeface="微軟正黑體" pitchFamily="34" charset="-120"/>
+            </a:endParaRPr>
+          </a:p>
+        </p:txBody>
+      </p:sp>
+      <p:sp>
+        <p:nvSpPr>
+          <p:cNvPr id="4" name="文字方塊 3"/>
+          <p:cNvSpPr txBox="1"/>
+          <p:nvPr/>
+        </p:nvSpPr>
+        <p:spPr>
+          <a:xfrm>
+            <a:off x="0" y="4500576"/>
+            <a:ext cx="9144000" cy="400110"/>
+          </a:xfrm>
+          <a:prstGeom prst="rect">
+            <a:avLst/>
+          </a:prstGeom>
+          <a:noFill/>
+        </p:spPr>
+        <p:txBody>
+          <a:bodyPr wrap="square" rtlCol="0">
+            <a:spAutoFit/>
+          </a:bodyPr>
+          <a:lstStyle/>
+          <a:p>
+            <a:pPr algn="ctr"/>
+            <a:r>
+              <a:rPr lang="en-US" altLang="zh-TW" sz="2000" b="1" dirty="0" smtClean="0">
+                <a:solidFill>
+                  <a:srgbClr val="660033"/>
+                </a:solidFill>
+              </a:rPr>
+              <a:t>( Verse 1 )</a:t>
+            </a:r>
+            <a:endParaRPr lang="zh-TW" altLang="en-US" sz="2000" b="1" dirty="0">
+              <a:solidFill>
+                <a:srgbClr val="660033"/>
+              </a:solidFill>
+            </a:endParaRPr>
+          </a:p>
+        </p:txBody>
+      </p:sp>
+    </p:spTree>
+  </p:cSld>
+  <p:clrMapOvr>
+    <a:masterClrMapping/>
+  </p:clrMapOvr>
+  <p:timing>
+    <p:tnLst>
+      <p:par>
+        <p:cTn id="1" dur="indefinite" restart="never" nodeType="tmRoot"/>
+      </p:par>
+    </p:tnLst>
+  </p:timing>
+</p:sld>
+</file>
+
+<file path=ppt/slides/slide15.xml><?xml version="1.0" encoding="utf-8"?>
+<p:sld xmlns:a="http://schemas.openxmlformats.org/drawingml/2006/main" xmlns:r="http://schemas.openxmlformats.org/officeDocument/2006/relationships" xmlns:p="http://schemas.openxmlformats.org/presentationml/2006/main">
+  <p:cSld>
+    <p:spTree>
+      <p:nvGrpSpPr>
+        <p:cNvPr id="1" name=""/>
+        <p:cNvGrpSpPr/>
+        <p:nvPr/>
+      </p:nvGrpSpPr>
+      <p:grpSpPr>
+        <a:xfrm>
+          <a:off x="0" y="0"/>
+          <a:ext cx="0" cy="0"/>
+          <a:chOff x="0" y="0"/>
+          <a:chExt cx="0" cy="0"/>
+        </a:xfrm>
+      </p:grpSpPr>
+      <p:sp>
+        <p:nvSpPr>
+          <p:cNvPr id="2" name="標題 1"/>
+          <p:cNvSpPr>
+            <a:spLocks noGrp="1"/>
+          </p:cNvSpPr>
+          <p:nvPr>
+            <p:ph type="title"/>
+          </p:nvPr>
+        </p:nvSpPr>
+        <p:spPr/>
+        <p:txBody>
+          <a:bodyPr>
+            <a:normAutofit/>
+          </a:bodyPr>
+          <a:lstStyle/>
+          <a:p>
+            <a:r>
+              <a:rPr lang="zh-TW" altLang="en-US" sz="4000" b="1" dirty="0" smtClean="0">
+                <a:solidFill>
+                  <a:srgbClr val="660033"/>
+                </a:solidFill>
+                <a:latin typeface="微軟正黑體" pitchFamily="34" charset="-120"/>
+                <a:ea typeface="微軟正黑體" pitchFamily="34" charset="-120"/>
+              </a:rPr>
+              <a:t>平安</a:t>
+            </a:r>
+            <a:endParaRPr lang="zh-TW" altLang="en-US" sz="4000" b="1" dirty="0">
+              <a:solidFill>
+                <a:srgbClr val="660033"/>
+              </a:solidFill>
+              <a:latin typeface="微軟正黑體" pitchFamily="34" charset="-120"/>
+              <a:ea typeface="微軟正黑體" pitchFamily="34" charset="-120"/>
+            </a:endParaRPr>
+          </a:p>
+        </p:txBody>
+      </p:sp>
+      <p:sp>
+        <p:nvSpPr>
+          <p:cNvPr id="3" name="內容版面配置區 2"/>
+          <p:cNvSpPr>
+            <a:spLocks noGrp="1"/>
+          </p:cNvSpPr>
+          <p:nvPr>
+            <p:ph idx="1"/>
+          </p:nvPr>
+        </p:nvSpPr>
+        <p:spPr/>
+        <p:txBody>
+          <a:bodyPr>
+            <a:normAutofit/>
+          </a:bodyPr>
+          <a:lstStyle/>
+          <a:p>
+            <a:pPr algn="ctr">
+              <a:buNone/>
+            </a:pPr>
+            <a:r>
+              <a:rPr lang="zh-TW" altLang="en-US" sz="4400" b="1" dirty="0" smtClean="0">
+                <a:solidFill>
+                  <a:srgbClr val="660033"/>
+                </a:solidFill>
+                <a:latin typeface="微軟正黑體" pitchFamily="34" charset="-120"/>
+                <a:ea typeface="微軟正黑體" pitchFamily="34" charset="-120"/>
+              </a:rPr>
+              <a:t>就算捆鎖劫難縈繞著我 </a:t>
+            </a:r>
+            <a:endParaRPr lang="en-US" altLang="zh-TW" sz="4400" b="1" dirty="0" smtClean="0">
+              <a:solidFill>
+                <a:srgbClr val="660033"/>
+              </a:solidFill>
+              <a:latin typeface="微軟正黑體" pitchFamily="34" charset="-120"/>
+              <a:ea typeface="微軟正黑體" pitchFamily="34" charset="-120"/>
+            </a:endParaRPr>
+          </a:p>
+          <a:p>
+            <a:pPr algn="ctr">
+              <a:buNone/>
+            </a:pPr>
+            <a:r>
+              <a:rPr lang="zh-TW" altLang="en-US" sz="4400" b="1" dirty="0" smtClean="0">
+                <a:solidFill>
+                  <a:srgbClr val="660033"/>
+                </a:solidFill>
+                <a:latin typeface="微軟正黑體" pitchFamily="34" charset="-120"/>
+                <a:ea typeface="微軟正黑體" pitchFamily="34" charset="-120"/>
+              </a:rPr>
+              <a:t>我心藏著不死盼望</a:t>
+            </a:r>
+            <a:endParaRPr lang="en-US" altLang="zh-TW" sz="4400" b="1" dirty="0" smtClean="0">
+              <a:solidFill>
+                <a:srgbClr val="660033"/>
+              </a:solidFill>
+              <a:latin typeface="微軟正黑體" pitchFamily="34" charset="-120"/>
+              <a:ea typeface="微軟正黑體" pitchFamily="34" charset="-120"/>
+            </a:endParaRPr>
+          </a:p>
+          <a:p>
+            <a:pPr algn="ctr">
+              <a:buNone/>
+            </a:pPr>
+            <a:r>
+              <a:rPr lang="zh-TW" altLang="en-US" sz="4400" b="1" dirty="0" smtClean="0">
+                <a:solidFill>
+                  <a:srgbClr val="660033"/>
+                </a:solidFill>
+                <a:latin typeface="微軟正黑體" pitchFamily="34" charset="-120"/>
+                <a:ea typeface="微軟正黑體" pitchFamily="34" charset="-120"/>
+              </a:rPr>
+              <a:t>耶穌是我牧者 永在我旁</a:t>
+            </a:r>
+            <a:endParaRPr lang="en-US" altLang="zh-TW" sz="4400" b="1" dirty="0" smtClean="0">
+              <a:solidFill>
+                <a:srgbClr val="660033"/>
+              </a:solidFill>
+              <a:latin typeface="微軟正黑體" pitchFamily="34" charset="-120"/>
+              <a:ea typeface="微軟正黑體" pitchFamily="34" charset="-120"/>
+            </a:endParaRPr>
+          </a:p>
+          <a:p>
+            <a:pPr algn="ctr">
+              <a:buNone/>
+            </a:pPr>
+            <a:r>
+              <a:rPr lang="zh-TW" altLang="en-US" sz="4400" b="1" dirty="0" smtClean="0">
+                <a:solidFill>
+                  <a:srgbClr val="660033"/>
+                </a:solidFill>
+                <a:latin typeface="微軟正黑體" pitchFamily="34" charset="-120"/>
+                <a:ea typeface="微軟正黑體" pitchFamily="34" charset="-120"/>
+              </a:rPr>
+              <a:t>祢杖祢竿都安慰我</a:t>
+            </a:r>
+          </a:p>
+        </p:txBody>
+      </p:sp>
+      <p:sp>
+        <p:nvSpPr>
+          <p:cNvPr id="4" name="文字方塊 3"/>
+          <p:cNvSpPr txBox="1"/>
+          <p:nvPr/>
+        </p:nvSpPr>
+        <p:spPr>
+          <a:xfrm>
+            <a:off x="0" y="4500576"/>
+            <a:ext cx="9144000" cy="400110"/>
+          </a:xfrm>
+          <a:prstGeom prst="rect">
+            <a:avLst/>
+          </a:prstGeom>
+          <a:noFill/>
+        </p:spPr>
+        <p:txBody>
+          <a:bodyPr wrap="square" rtlCol="0">
+            <a:spAutoFit/>
+          </a:bodyPr>
+          <a:lstStyle/>
+          <a:p>
+            <a:pPr algn="ctr"/>
+            <a:r>
+              <a:rPr lang="en-US" altLang="zh-TW" sz="2000" b="1" dirty="0" smtClean="0">
+                <a:solidFill>
+                  <a:srgbClr val="660033"/>
+                </a:solidFill>
+              </a:rPr>
+              <a:t>( Verse 2 )</a:t>
+            </a:r>
+            <a:endParaRPr lang="zh-TW" altLang="en-US" sz="2000" b="1" dirty="0">
+              <a:solidFill>
+                <a:srgbClr val="660033"/>
+              </a:solidFill>
+            </a:endParaRPr>
+          </a:p>
+        </p:txBody>
+      </p:sp>
+    </p:spTree>
+  </p:cSld>
+  <p:clrMapOvr>
+    <a:masterClrMapping/>
+  </p:clrMapOvr>
+  <p:timing>
+    <p:tnLst>
+      <p:par>
+        <p:cTn id="1" dur="indefinite" restart="never" nodeType="tmRoot"/>
+      </p:par>
+    </p:tnLst>
+  </p:timing>
+</p:sld>
+</file>
+
+<file path=ppt/slides/slide16.xml><?xml version="1.0" encoding="utf-8"?>
+<p:sld xmlns:a="http://schemas.openxmlformats.org/drawingml/2006/main" xmlns:r="http://schemas.openxmlformats.org/officeDocument/2006/relationships" xmlns:p="http://schemas.openxmlformats.org/presentationml/2006/main">
+  <p:cSld>
+    <p:spTree>
+      <p:nvGrpSpPr>
+        <p:cNvPr id="1" name=""/>
+        <p:cNvGrpSpPr/>
+        <p:nvPr/>
+      </p:nvGrpSpPr>
+      <p:grpSpPr>
+        <a:xfrm>
+          <a:off x="0" y="0"/>
+          <a:ext cx="0" cy="0"/>
+          <a:chOff x="0" y="0"/>
+          <a:chExt cx="0" cy="0"/>
+        </a:xfrm>
+      </p:grpSpPr>
+      <p:sp>
+        <p:nvSpPr>
+          <p:cNvPr id="2" name="標題 1"/>
+          <p:cNvSpPr>
+            <a:spLocks noGrp="1"/>
+          </p:cNvSpPr>
+          <p:nvPr>
+            <p:ph type="title"/>
+          </p:nvPr>
+        </p:nvSpPr>
+        <p:spPr/>
+        <p:txBody>
+          <a:bodyPr>
+            <a:normAutofit/>
+          </a:bodyPr>
+          <a:lstStyle/>
+          <a:p>
+            <a:r>
+              <a:rPr lang="zh-TW" altLang="en-US" sz="4000" b="1" dirty="0" smtClean="0">
+                <a:solidFill>
+                  <a:srgbClr val="660033"/>
+                </a:solidFill>
+                <a:latin typeface="微軟正黑體" pitchFamily="34" charset="-120"/>
+                <a:ea typeface="微軟正黑體" pitchFamily="34" charset="-120"/>
+              </a:rPr>
+              <a:t>平安</a:t>
+            </a:r>
+            <a:endParaRPr lang="zh-TW" altLang="en-US" sz="4000" b="1" dirty="0">
+              <a:solidFill>
+                <a:srgbClr val="660033"/>
+              </a:solidFill>
+              <a:latin typeface="微軟正黑體" pitchFamily="34" charset="-120"/>
+              <a:ea typeface="微軟正黑體" pitchFamily="34" charset="-120"/>
+            </a:endParaRPr>
+          </a:p>
+        </p:txBody>
+      </p:sp>
+      <p:sp>
+        <p:nvSpPr>
+          <p:cNvPr id="3" name="內容版面配置區 2"/>
+          <p:cNvSpPr>
+            <a:spLocks noGrp="1"/>
+          </p:cNvSpPr>
+          <p:nvPr>
+            <p:ph idx="1"/>
+          </p:nvPr>
+        </p:nvSpPr>
+        <p:spPr/>
+        <p:txBody>
+          <a:bodyPr>
+            <a:normAutofit/>
+          </a:bodyPr>
+          <a:lstStyle/>
+          <a:p>
+            <a:pPr algn="ctr">
+              <a:buNone/>
+            </a:pPr>
+            <a:r>
+              <a:rPr lang="zh-TW" altLang="en-US" sz="4400" b="1" dirty="0" smtClean="0">
+                <a:solidFill>
+                  <a:srgbClr val="660033"/>
+                </a:solidFill>
+                <a:latin typeface="微軟正黑體" pitchFamily="34" charset="-120"/>
+                <a:ea typeface="微軟正黑體" pitchFamily="34" charset="-120"/>
+              </a:rPr>
+              <a:t>主  祢賜下平安</a:t>
+            </a:r>
+            <a:endParaRPr lang="en-US" altLang="zh-TW" sz="4400" b="1" dirty="0" smtClean="0">
+              <a:solidFill>
+                <a:srgbClr val="660033"/>
+              </a:solidFill>
+              <a:latin typeface="微軟正黑體" pitchFamily="34" charset="-120"/>
+              <a:ea typeface="微軟正黑體" pitchFamily="34" charset="-120"/>
+            </a:endParaRPr>
+          </a:p>
+          <a:p>
+            <a:pPr algn="ctr">
+              <a:buNone/>
+            </a:pPr>
+            <a:r>
+              <a:rPr lang="zh-TW" altLang="en-US" sz="4400" b="1" dirty="0" smtClean="0">
+                <a:solidFill>
+                  <a:srgbClr val="660033"/>
+                </a:solidFill>
+                <a:latin typeface="微軟正黑體" pitchFamily="34" charset="-120"/>
+                <a:ea typeface="微軟正黑體" pitchFamily="34" charset="-120"/>
+              </a:rPr>
+              <a:t>不像世人所賜</a:t>
+            </a:r>
+            <a:endParaRPr lang="en-US" altLang="zh-TW" sz="4400" b="1" dirty="0" smtClean="0">
+              <a:solidFill>
+                <a:srgbClr val="660033"/>
+              </a:solidFill>
+              <a:latin typeface="微軟正黑體" pitchFamily="34" charset="-120"/>
+              <a:ea typeface="微軟正黑體" pitchFamily="34" charset="-120"/>
+            </a:endParaRPr>
+          </a:p>
+          <a:p>
+            <a:pPr algn="ctr">
+              <a:buNone/>
+            </a:pPr>
+            <a:r>
+              <a:rPr lang="zh-TW" altLang="en-US" sz="4400" b="1" dirty="0" smtClean="0">
+                <a:solidFill>
+                  <a:srgbClr val="660033"/>
+                </a:solidFill>
+                <a:latin typeface="微軟正黑體" pitchFamily="34" charset="-120"/>
+                <a:ea typeface="微軟正黑體" pitchFamily="34" charset="-120"/>
+              </a:rPr>
+              <a:t>我的心 不必再憂愁</a:t>
+            </a:r>
+            <a:endParaRPr lang="en-US" altLang="zh-TW" sz="4400" b="1" dirty="0" smtClean="0">
+              <a:solidFill>
+                <a:srgbClr val="660033"/>
+              </a:solidFill>
+              <a:latin typeface="微軟正黑體" pitchFamily="34" charset="-120"/>
+              <a:ea typeface="微軟正黑體" pitchFamily="34" charset="-120"/>
+            </a:endParaRPr>
+          </a:p>
+          <a:p>
+            <a:pPr algn="ctr">
+              <a:buNone/>
+            </a:pPr>
+            <a:r>
+              <a:rPr lang="zh-TW" altLang="en-US" sz="4400" b="1" dirty="0" smtClean="0">
+                <a:solidFill>
+                  <a:srgbClr val="660033"/>
+                </a:solidFill>
+                <a:latin typeface="微軟正黑體" pitchFamily="34" charset="-120"/>
+                <a:ea typeface="微軟正黑體" pitchFamily="34" charset="-120"/>
+              </a:rPr>
+              <a:t>也不用膽怯 </a:t>
+            </a:r>
+          </a:p>
+        </p:txBody>
+      </p:sp>
+      <p:sp>
+        <p:nvSpPr>
+          <p:cNvPr id="4" name="文字方塊 3"/>
+          <p:cNvSpPr txBox="1"/>
+          <p:nvPr/>
+        </p:nvSpPr>
+        <p:spPr>
+          <a:xfrm>
+            <a:off x="0" y="4500576"/>
+            <a:ext cx="9144000" cy="400110"/>
+          </a:xfrm>
+          <a:prstGeom prst="rect">
+            <a:avLst/>
+          </a:prstGeom>
+          <a:noFill/>
+        </p:spPr>
+        <p:txBody>
+          <a:bodyPr wrap="square" rtlCol="0">
+            <a:spAutoFit/>
+          </a:bodyPr>
+          <a:lstStyle/>
+          <a:p>
+            <a:pPr algn="ctr"/>
+            <a:r>
+              <a:rPr lang="en-US" altLang="zh-TW" sz="2000" b="1" dirty="0" smtClean="0">
+                <a:solidFill>
+                  <a:srgbClr val="660033"/>
+                </a:solidFill>
+              </a:rPr>
+              <a:t>( Chorus 1 )</a:t>
+            </a:r>
+            <a:endParaRPr lang="zh-TW" altLang="en-US" sz="2000" b="1" dirty="0">
+              <a:solidFill>
+                <a:srgbClr val="660033"/>
+              </a:solidFill>
+            </a:endParaRPr>
+          </a:p>
+        </p:txBody>
+      </p:sp>
+    </p:spTree>
+  </p:cSld>
+  <p:clrMapOvr>
+    <a:masterClrMapping/>
+  </p:clrMapOvr>
+  <p:timing>
+    <p:tnLst>
+      <p:par>
+        <p:cTn id="1" dur="indefinite" restart="never" nodeType="tmRoot"/>
+      </p:par>
+    </p:tnLst>
+  </p:timing>
+</p:sld>
+</file>
+
+<file path=ppt/slides/slide17.xml><?xml version="1.0" encoding="utf-8"?>
+<p:sld xmlns:a="http://schemas.openxmlformats.org/drawingml/2006/main" xmlns:r="http://schemas.openxmlformats.org/officeDocument/2006/relationships" xmlns:p="http://schemas.openxmlformats.org/presentationml/2006/main">
+  <p:cSld>
+    <p:spTree>
+      <p:nvGrpSpPr>
+        <p:cNvPr id="1" name=""/>
+        <p:cNvGrpSpPr/>
+        <p:nvPr/>
+      </p:nvGrpSpPr>
+      <p:grpSpPr>
+        <a:xfrm>
+          <a:off x="0" y="0"/>
+          <a:ext cx="0" cy="0"/>
+          <a:chOff x="0" y="0"/>
+          <a:chExt cx="0" cy="0"/>
+        </a:xfrm>
+      </p:grpSpPr>
+      <p:sp>
+        <p:nvSpPr>
+          <p:cNvPr id="2" name="標題 1"/>
+          <p:cNvSpPr>
+            <a:spLocks noGrp="1"/>
+          </p:cNvSpPr>
+          <p:nvPr>
+            <p:ph type="title"/>
+          </p:nvPr>
+        </p:nvSpPr>
+        <p:spPr/>
+        <p:txBody>
+          <a:bodyPr>
+            <a:normAutofit/>
+          </a:bodyPr>
+          <a:lstStyle/>
+          <a:p>
+            <a:r>
+              <a:rPr lang="zh-TW" altLang="en-US" sz="4000" b="1" dirty="0" smtClean="0">
+                <a:solidFill>
+                  <a:srgbClr val="660033"/>
+                </a:solidFill>
+                <a:latin typeface="微軟正黑體" pitchFamily="34" charset="-120"/>
+                <a:ea typeface="微軟正黑體" pitchFamily="34" charset="-120"/>
+              </a:rPr>
+              <a:t>平安</a:t>
+            </a:r>
+            <a:endParaRPr lang="zh-TW" altLang="en-US" sz="4000" b="1" dirty="0">
+              <a:solidFill>
+                <a:srgbClr val="660033"/>
+              </a:solidFill>
+              <a:latin typeface="微軟正黑體" pitchFamily="34" charset="-120"/>
+              <a:ea typeface="微軟正黑體" pitchFamily="34" charset="-120"/>
+            </a:endParaRPr>
+          </a:p>
+        </p:txBody>
+      </p:sp>
+      <p:sp>
+        <p:nvSpPr>
+          <p:cNvPr id="3" name="內容版面配置區 2"/>
+          <p:cNvSpPr>
+            <a:spLocks noGrp="1"/>
+          </p:cNvSpPr>
+          <p:nvPr>
+            <p:ph idx="1"/>
+          </p:nvPr>
+        </p:nvSpPr>
+        <p:spPr/>
+        <p:txBody>
+          <a:bodyPr>
+            <a:normAutofit/>
+          </a:bodyPr>
+          <a:lstStyle/>
+          <a:p>
+            <a:pPr algn="ctr">
+              <a:buNone/>
+            </a:pPr>
+            <a:r>
+              <a:rPr lang="zh-TW" altLang="en-US" sz="4400" b="1" dirty="0" smtClean="0">
+                <a:solidFill>
+                  <a:srgbClr val="660033"/>
+                </a:solidFill>
+                <a:latin typeface="微軟正黑體" pitchFamily="34" charset="-120"/>
+                <a:ea typeface="微軟正黑體" pitchFamily="34" charset="-120"/>
+              </a:rPr>
+              <a:t>主 祢賜下</a:t>
+            </a:r>
+            <a:r>
+              <a:rPr lang="zh-TW" altLang="en-US" sz="4400" b="1" dirty="0" smtClean="0">
+                <a:solidFill>
+                  <a:srgbClr val="660033"/>
+                </a:solidFill>
+                <a:latin typeface="微軟正黑體" pitchFamily="34" charset="-120"/>
+                <a:ea typeface="微軟正黑體" pitchFamily="34" charset="-120"/>
+              </a:rPr>
+              <a:t>這平安</a:t>
+            </a:r>
+            <a:endParaRPr lang="en-US" altLang="zh-TW" sz="4400" b="1" dirty="0" smtClean="0">
+              <a:solidFill>
+                <a:srgbClr val="660033"/>
+              </a:solidFill>
+              <a:latin typeface="微軟正黑體" pitchFamily="34" charset="-120"/>
+              <a:ea typeface="微軟正黑體" pitchFamily="34" charset="-120"/>
+            </a:endParaRPr>
+          </a:p>
+          <a:p>
+            <a:pPr algn="ctr">
+              <a:buNone/>
+            </a:pPr>
+            <a:r>
+              <a:rPr lang="zh-TW" altLang="en-US" sz="4400" b="1" dirty="0" smtClean="0">
+                <a:solidFill>
+                  <a:srgbClr val="660033"/>
+                </a:solidFill>
+                <a:latin typeface="微軟正黑體" pitchFamily="34" charset="-120"/>
+                <a:ea typeface="微軟正黑體" pitchFamily="34" charset="-120"/>
+              </a:rPr>
+              <a:t>是用重價換來</a:t>
+            </a:r>
+            <a:r>
+              <a:rPr lang="zh-TW" altLang="en-US" sz="4400" b="1" dirty="0" smtClean="0">
+                <a:solidFill>
+                  <a:srgbClr val="660033"/>
+                </a:solidFill>
+                <a:latin typeface="微軟正黑體" pitchFamily="34" charset="-120"/>
+                <a:ea typeface="微軟正黑體" pitchFamily="34" charset="-120"/>
+              </a:rPr>
+              <a:t>的</a:t>
+            </a:r>
+            <a:r>
+              <a:rPr lang="zh-CN" altLang="en-US" sz="4400" b="1" dirty="0" smtClean="0">
+                <a:solidFill>
+                  <a:srgbClr val="660033"/>
+                </a:solidFill>
+                <a:latin typeface="微軟正黑體" pitchFamily="34" charset="-120"/>
+                <a:ea typeface="微軟正黑體" pitchFamily="34" charset="-120"/>
+              </a:rPr>
+              <a:t>恩典</a:t>
+            </a:r>
+            <a:endParaRPr lang="en-US" altLang="zh-TW" sz="4400" b="1" dirty="0" smtClean="0">
+              <a:solidFill>
+                <a:srgbClr val="660033"/>
+              </a:solidFill>
+              <a:latin typeface="微軟正黑體" pitchFamily="34" charset="-120"/>
+              <a:ea typeface="微軟正黑體" pitchFamily="34" charset="-120"/>
+            </a:endParaRPr>
+          </a:p>
+          <a:p>
+            <a:pPr algn="ctr">
+              <a:buNone/>
+            </a:pPr>
+            <a:r>
+              <a:rPr lang="zh-TW" altLang="en-US" sz="4400" b="1" dirty="0" smtClean="0">
+                <a:solidFill>
+                  <a:srgbClr val="660033"/>
+                </a:solidFill>
+                <a:latin typeface="微軟正黑體" pitchFamily="34" charset="-120"/>
+                <a:ea typeface="微軟正黑體" pitchFamily="34" charset="-120"/>
+              </a:rPr>
+              <a:t>受鞭傷使我得醫治</a:t>
+            </a:r>
+            <a:endParaRPr lang="en-US" altLang="zh-TW" sz="4400" b="1" dirty="0" smtClean="0">
+              <a:solidFill>
+                <a:srgbClr val="660033"/>
+              </a:solidFill>
+              <a:latin typeface="微軟正黑體" pitchFamily="34" charset="-120"/>
+              <a:ea typeface="微軟正黑體" pitchFamily="34" charset="-120"/>
+            </a:endParaRPr>
+          </a:p>
+          <a:p>
+            <a:pPr algn="ctr">
+              <a:buNone/>
+            </a:pPr>
+            <a:r>
+              <a:rPr lang="zh-TW" altLang="en-US" sz="4400" b="1" dirty="0" smtClean="0">
+                <a:solidFill>
+                  <a:srgbClr val="660033"/>
+                </a:solidFill>
+                <a:latin typeface="微軟正黑體" pitchFamily="34" charset="-120"/>
+                <a:ea typeface="微軟正黑體" pitchFamily="34" charset="-120"/>
+              </a:rPr>
+              <a:t>受刑罰讓我得到赦免</a:t>
+            </a:r>
+          </a:p>
+        </p:txBody>
+      </p:sp>
+      <p:sp>
+        <p:nvSpPr>
+          <p:cNvPr id="4" name="文字方塊 3"/>
+          <p:cNvSpPr txBox="1"/>
+          <p:nvPr/>
+        </p:nvSpPr>
+        <p:spPr>
+          <a:xfrm>
+            <a:off x="0" y="4500576"/>
+            <a:ext cx="9144000" cy="400110"/>
+          </a:xfrm>
+          <a:prstGeom prst="rect">
+            <a:avLst/>
+          </a:prstGeom>
+          <a:noFill/>
+        </p:spPr>
+        <p:txBody>
+          <a:bodyPr wrap="square" rtlCol="0">
+            <a:spAutoFit/>
+          </a:bodyPr>
+          <a:lstStyle/>
+          <a:p>
+            <a:pPr algn="ctr"/>
+            <a:r>
+              <a:rPr lang="en-US" altLang="zh-TW" sz="2000" b="1" dirty="0" smtClean="0">
+                <a:solidFill>
+                  <a:srgbClr val="660033"/>
+                </a:solidFill>
+              </a:rPr>
+              <a:t>( Chorus 2 )</a:t>
+            </a:r>
+            <a:endParaRPr lang="zh-TW" altLang="en-US" sz="2000" b="1" dirty="0">
+              <a:solidFill>
+                <a:srgbClr val="660033"/>
+              </a:solidFill>
+            </a:endParaRPr>
+          </a:p>
+        </p:txBody>
+      </p:sp>
+    </p:spTree>
+  </p:cSld>
+  <p:clrMapOvr>
+    <a:masterClrMapping/>
+  </p:clrMapOvr>
+  <p:timing>
+    <p:tnLst>
+      <p:par>
+        <p:cTn id="1" dur="indefinite" restart="never" nodeType="tmRoot"/>
+      </p:par>
+    </p:tnLst>
+  </p:timing>
+</p:sld>
+</file>
+
+<file path=ppt/slides/slide18.xml><?xml version="1.0" encoding="utf-8"?>
+<p:sld xmlns:a="http://schemas.openxmlformats.org/drawingml/2006/main" xmlns:r="http://schemas.openxmlformats.org/officeDocument/2006/relationships" xmlns:p="http://schemas.openxmlformats.org/presentationml/2006/main">
+  <p:cSld>
+    <p:spTree>
+      <p:nvGrpSpPr>
+        <p:cNvPr id="1" name=""/>
+        <p:cNvGrpSpPr/>
+        <p:nvPr/>
+      </p:nvGrpSpPr>
+      <p:grpSpPr>
+        <a:xfrm>
+          <a:off x="0" y="0"/>
+          <a:ext cx="0" cy="0"/>
+          <a:chOff x="0" y="0"/>
+          <a:chExt cx="0" cy="0"/>
+        </a:xfrm>
+      </p:grpSpPr>
+      <p:sp>
+        <p:nvSpPr>
+          <p:cNvPr id="2" name="標題 1"/>
+          <p:cNvSpPr>
+            <a:spLocks noGrp="1"/>
+          </p:cNvSpPr>
+          <p:nvPr>
+            <p:ph type="title"/>
+          </p:nvPr>
+        </p:nvSpPr>
+        <p:spPr/>
+        <p:txBody>
+          <a:bodyPr>
+            <a:normAutofit/>
+          </a:bodyPr>
+          <a:lstStyle/>
+          <a:p>
+            <a:r>
+              <a:rPr lang="zh-TW" altLang="en-US" sz="4000" b="1" dirty="0" smtClean="0">
+                <a:solidFill>
+                  <a:srgbClr val="660033"/>
+                </a:solidFill>
+                <a:latin typeface="微軟正黑體" pitchFamily="34" charset="-120"/>
+                <a:ea typeface="微軟正黑體" pitchFamily="34" charset="-120"/>
+              </a:rPr>
+              <a:t>平安</a:t>
+            </a:r>
+            <a:endParaRPr lang="zh-TW" altLang="en-US" sz="4000" b="1" dirty="0">
+              <a:solidFill>
+                <a:srgbClr val="660033"/>
+              </a:solidFill>
+              <a:latin typeface="微軟正黑體" pitchFamily="34" charset="-120"/>
+              <a:ea typeface="微軟正黑體" pitchFamily="34" charset="-120"/>
+            </a:endParaRPr>
+          </a:p>
+        </p:txBody>
+      </p:sp>
+      <p:sp>
+        <p:nvSpPr>
+          <p:cNvPr id="3" name="內容版面配置區 2"/>
+          <p:cNvSpPr>
+            <a:spLocks noGrp="1"/>
+          </p:cNvSpPr>
+          <p:nvPr>
+            <p:ph idx="1"/>
+          </p:nvPr>
+        </p:nvSpPr>
+        <p:spPr/>
+        <p:txBody>
+          <a:bodyPr>
+            <a:normAutofit/>
+          </a:bodyPr>
+          <a:lstStyle/>
+          <a:p>
+            <a:pPr algn="ctr">
+              <a:buNone/>
+            </a:pPr>
+            <a:r>
+              <a:rPr lang="zh-TW" altLang="en-US" sz="4400" b="1" dirty="0" smtClean="0">
+                <a:solidFill>
+                  <a:srgbClr val="660033"/>
+                </a:solidFill>
+                <a:latin typeface="微軟正黑體" pitchFamily="34" charset="-120"/>
+                <a:ea typeface="微軟正黑體" pitchFamily="34" charset="-120"/>
+              </a:rPr>
+              <a:t>主  祢賜下平安</a:t>
+            </a:r>
+            <a:endParaRPr lang="en-US" altLang="zh-TW" sz="4400" b="1" dirty="0" smtClean="0">
+              <a:solidFill>
+                <a:srgbClr val="660033"/>
+              </a:solidFill>
+              <a:latin typeface="微軟正黑體" pitchFamily="34" charset="-120"/>
+              <a:ea typeface="微軟正黑體" pitchFamily="34" charset="-120"/>
+            </a:endParaRPr>
+          </a:p>
+          <a:p>
+            <a:pPr algn="ctr">
+              <a:buNone/>
+            </a:pPr>
+            <a:r>
+              <a:rPr lang="zh-TW" altLang="en-US" sz="4400" b="1" dirty="0" smtClean="0">
+                <a:solidFill>
+                  <a:srgbClr val="660033"/>
+                </a:solidFill>
+                <a:latin typeface="微軟正黑體" pitchFamily="34" charset="-120"/>
+                <a:ea typeface="微軟正黑體" pitchFamily="34" charset="-120"/>
+              </a:rPr>
+              <a:t>不像世人所賜</a:t>
+            </a:r>
+            <a:endParaRPr lang="en-US" altLang="zh-TW" sz="4400" b="1" dirty="0" smtClean="0">
+              <a:solidFill>
+                <a:srgbClr val="660033"/>
+              </a:solidFill>
+              <a:latin typeface="微軟正黑體" pitchFamily="34" charset="-120"/>
+              <a:ea typeface="微軟正黑體" pitchFamily="34" charset="-120"/>
+            </a:endParaRPr>
+          </a:p>
+          <a:p>
+            <a:pPr algn="ctr">
+              <a:buNone/>
+            </a:pPr>
+            <a:r>
+              <a:rPr lang="zh-TW" altLang="en-US" sz="4400" b="1" dirty="0" smtClean="0">
+                <a:solidFill>
+                  <a:srgbClr val="660033"/>
+                </a:solidFill>
+                <a:latin typeface="微軟正黑體" pitchFamily="34" charset="-120"/>
+                <a:ea typeface="微軟正黑體" pitchFamily="34" charset="-120"/>
+              </a:rPr>
+              <a:t>我的心 不必再憂愁</a:t>
+            </a:r>
+            <a:endParaRPr lang="en-US" altLang="zh-TW" sz="4400" b="1" dirty="0" smtClean="0">
+              <a:solidFill>
+                <a:srgbClr val="660033"/>
+              </a:solidFill>
+              <a:latin typeface="微軟正黑體" pitchFamily="34" charset="-120"/>
+              <a:ea typeface="微軟正黑體" pitchFamily="34" charset="-120"/>
+            </a:endParaRPr>
+          </a:p>
+          <a:p>
+            <a:pPr algn="ctr">
+              <a:buNone/>
+            </a:pPr>
+            <a:r>
+              <a:rPr lang="zh-TW" altLang="en-US" sz="4400" b="1" dirty="0" smtClean="0">
+                <a:solidFill>
+                  <a:srgbClr val="660033"/>
+                </a:solidFill>
+                <a:latin typeface="微軟正黑體" pitchFamily="34" charset="-120"/>
+                <a:ea typeface="微軟正黑體" pitchFamily="34" charset="-120"/>
+              </a:rPr>
+              <a:t>也不用膽怯 </a:t>
+            </a:r>
+          </a:p>
+        </p:txBody>
+      </p:sp>
+      <p:sp>
+        <p:nvSpPr>
+          <p:cNvPr id="4" name="文字方塊 3"/>
+          <p:cNvSpPr txBox="1"/>
+          <p:nvPr/>
+        </p:nvSpPr>
+        <p:spPr>
+          <a:xfrm>
+            <a:off x="0" y="4500576"/>
+            <a:ext cx="9144000" cy="400110"/>
+          </a:xfrm>
+          <a:prstGeom prst="rect">
+            <a:avLst/>
+          </a:prstGeom>
+          <a:noFill/>
+        </p:spPr>
+        <p:txBody>
+          <a:bodyPr wrap="square" rtlCol="0">
+            <a:spAutoFit/>
+          </a:bodyPr>
+          <a:lstStyle/>
+          <a:p>
+            <a:pPr algn="ctr"/>
+            <a:r>
+              <a:rPr lang="en-US" altLang="zh-TW" sz="2000" b="1" dirty="0" smtClean="0">
+                <a:solidFill>
+                  <a:srgbClr val="660033"/>
+                </a:solidFill>
+              </a:rPr>
+              <a:t>( Chorus 1 )</a:t>
+            </a:r>
+            <a:endParaRPr lang="zh-TW" altLang="en-US" sz="2000" b="1" dirty="0">
+              <a:solidFill>
+                <a:srgbClr val="660033"/>
+              </a:solidFill>
+            </a:endParaRPr>
+          </a:p>
+        </p:txBody>
+      </p:sp>
+    </p:spTree>
+  </p:cSld>
+  <p:clrMapOvr>
+    <a:masterClrMapping/>
+  </p:clrMapOvr>
+  <p:timing>
+    <p:tnLst>
+      <p:par>
+        <p:cTn id="1" dur="indefinite" restart="never" nodeType="tmRoot"/>
+      </p:par>
+    </p:tnLst>
+  </p:timing>
+</p:sld>
+</file>
+
+<file path=ppt/slides/slide19.xml><?xml version="1.0" encoding="utf-8"?>
+<p:sld xmlns:a="http://schemas.openxmlformats.org/drawingml/2006/main" xmlns:r="http://schemas.openxmlformats.org/officeDocument/2006/relationships" xmlns:p="http://schemas.openxmlformats.org/presentationml/2006/main">
+  <p:cSld>
+    <p:spTree>
+      <p:nvGrpSpPr>
+        <p:cNvPr id="1" name=""/>
+        <p:cNvGrpSpPr/>
+        <p:nvPr/>
+      </p:nvGrpSpPr>
+      <p:grpSpPr>
+        <a:xfrm>
+          <a:off x="0" y="0"/>
+          <a:ext cx="0" cy="0"/>
+          <a:chOff x="0" y="0"/>
+          <a:chExt cx="0" cy="0"/>
+        </a:xfrm>
+      </p:grpSpPr>
+      <p:sp>
+        <p:nvSpPr>
+          <p:cNvPr id="2" name="標題 1"/>
+          <p:cNvSpPr>
+            <a:spLocks noGrp="1"/>
+          </p:cNvSpPr>
+          <p:nvPr>
+            <p:ph type="title"/>
+          </p:nvPr>
+        </p:nvSpPr>
+        <p:spPr/>
+        <p:txBody>
+          <a:bodyPr>
+            <a:normAutofit/>
+          </a:bodyPr>
+          <a:lstStyle/>
+          <a:p>
+            <a:r>
+              <a:rPr lang="zh-TW" altLang="en-US" sz="4000" b="1" dirty="0" smtClean="0">
+                <a:solidFill>
+                  <a:srgbClr val="660033"/>
+                </a:solidFill>
+                <a:latin typeface="微軟正黑體" pitchFamily="34" charset="-120"/>
+                <a:ea typeface="微軟正黑體" pitchFamily="34" charset="-120"/>
+              </a:rPr>
+              <a:t>平安</a:t>
+            </a:r>
+            <a:endParaRPr lang="zh-TW" altLang="en-US" sz="4000" b="1" dirty="0">
+              <a:solidFill>
+                <a:srgbClr val="660033"/>
+              </a:solidFill>
+              <a:latin typeface="微軟正黑體" pitchFamily="34" charset="-120"/>
+              <a:ea typeface="微軟正黑體" pitchFamily="34" charset="-120"/>
+            </a:endParaRPr>
+          </a:p>
+        </p:txBody>
+      </p:sp>
+      <p:sp>
+        <p:nvSpPr>
+          <p:cNvPr id="3" name="內容版面配置區 2"/>
+          <p:cNvSpPr>
+            <a:spLocks noGrp="1"/>
+          </p:cNvSpPr>
+          <p:nvPr>
+            <p:ph idx="1"/>
+          </p:nvPr>
+        </p:nvSpPr>
+        <p:spPr/>
+        <p:txBody>
+          <a:bodyPr>
+            <a:normAutofit/>
+          </a:bodyPr>
+          <a:lstStyle/>
+          <a:p>
+            <a:pPr algn="ctr">
+              <a:buNone/>
+            </a:pPr>
+            <a:r>
+              <a:rPr lang="zh-TW" altLang="en-US" sz="4400" b="1" dirty="0" smtClean="0">
+                <a:solidFill>
+                  <a:srgbClr val="660033"/>
+                </a:solidFill>
+                <a:latin typeface="微軟正黑體" pitchFamily="34" charset="-120"/>
+                <a:ea typeface="微軟正黑體" pitchFamily="34" charset="-120"/>
+              </a:rPr>
+              <a:t>主 祢賜下</a:t>
+            </a:r>
+            <a:r>
+              <a:rPr lang="zh-TW" altLang="en-US" sz="4400" b="1" dirty="0" smtClean="0">
+                <a:solidFill>
+                  <a:srgbClr val="660033"/>
+                </a:solidFill>
+                <a:latin typeface="微軟正黑體" pitchFamily="34" charset="-120"/>
+                <a:ea typeface="微軟正黑體" pitchFamily="34" charset="-120"/>
+              </a:rPr>
+              <a:t>這平安</a:t>
+            </a:r>
+            <a:endParaRPr lang="en-US" altLang="zh-TW" sz="4400" b="1" dirty="0" smtClean="0">
+              <a:solidFill>
+                <a:srgbClr val="660033"/>
+              </a:solidFill>
+              <a:latin typeface="微軟正黑體" pitchFamily="34" charset="-120"/>
+              <a:ea typeface="微軟正黑體" pitchFamily="34" charset="-120"/>
+            </a:endParaRPr>
+          </a:p>
+          <a:p>
+            <a:pPr algn="ctr">
+              <a:buNone/>
+            </a:pPr>
+            <a:r>
+              <a:rPr lang="zh-TW" altLang="en-US" sz="4400" b="1" dirty="0" smtClean="0">
+                <a:solidFill>
+                  <a:srgbClr val="660033"/>
+                </a:solidFill>
+                <a:latin typeface="微軟正黑體" pitchFamily="34" charset="-120"/>
+                <a:ea typeface="微軟正黑體" pitchFamily="34" charset="-120"/>
+              </a:rPr>
+              <a:t>是用重價換來</a:t>
+            </a:r>
+            <a:r>
+              <a:rPr lang="zh-TW" altLang="en-US" sz="4400" b="1" dirty="0" smtClean="0">
+                <a:solidFill>
+                  <a:srgbClr val="660033"/>
+                </a:solidFill>
+                <a:latin typeface="微軟正黑體" pitchFamily="34" charset="-120"/>
+                <a:ea typeface="微軟正黑體" pitchFamily="34" charset="-120"/>
+              </a:rPr>
+              <a:t>的</a:t>
+            </a:r>
+            <a:r>
+              <a:rPr lang="zh-CN" altLang="en-US" sz="4400" b="1" dirty="0" smtClean="0">
+                <a:solidFill>
+                  <a:srgbClr val="660033"/>
+                </a:solidFill>
+                <a:latin typeface="微軟正黑體" pitchFamily="34" charset="-120"/>
+                <a:ea typeface="微軟正黑體" pitchFamily="34" charset="-120"/>
+              </a:rPr>
+              <a:t>恩典</a:t>
+            </a:r>
+            <a:endParaRPr lang="en-US" altLang="zh-TW" sz="4400" b="1" dirty="0" smtClean="0">
+              <a:solidFill>
+                <a:srgbClr val="660033"/>
+              </a:solidFill>
+              <a:latin typeface="微軟正黑體" pitchFamily="34" charset="-120"/>
+              <a:ea typeface="微軟正黑體" pitchFamily="34" charset="-120"/>
+            </a:endParaRPr>
+          </a:p>
+          <a:p>
+            <a:pPr algn="ctr">
+              <a:buNone/>
+            </a:pPr>
+            <a:r>
+              <a:rPr lang="zh-TW" altLang="en-US" sz="4400" b="1" dirty="0" smtClean="0">
+                <a:solidFill>
+                  <a:srgbClr val="660033"/>
+                </a:solidFill>
+                <a:latin typeface="微軟正黑體" pitchFamily="34" charset="-120"/>
+                <a:ea typeface="微軟正黑體" pitchFamily="34" charset="-120"/>
+              </a:rPr>
+              <a:t>受鞭傷使我得醫治</a:t>
+            </a:r>
+            <a:endParaRPr lang="en-US" altLang="zh-TW" sz="4400" b="1" dirty="0" smtClean="0">
+              <a:solidFill>
+                <a:srgbClr val="660033"/>
+              </a:solidFill>
+              <a:latin typeface="微軟正黑體" pitchFamily="34" charset="-120"/>
+              <a:ea typeface="微軟正黑體" pitchFamily="34" charset="-120"/>
+            </a:endParaRPr>
+          </a:p>
+          <a:p>
+            <a:pPr algn="ctr">
+              <a:buNone/>
+            </a:pPr>
+            <a:r>
+              <a:rPr lang="zh-TW" altLang="en-US" sz="4400" b="1" dirty="0" smtClean="0">
+                <a:solidFill>
+                  <a:srgbClr val="660033"/>
+                </a:solidFill>
+                <a:latin typeface="微軟正黑體" pitchFamily="34" charset="-120"/>
+                <a:ea typeface="微軟正黑體" pitchFamily="34" charset="-120"/>
+              </a:rPr>
+              <a:t>受刑罰讓我得到赦免</a:t>
+            </a:r>
+          </a:p>
+        </p:txBody>
+      </p:sp>
+      <p:sp>
+        <p:nvSpPr>
+          <p:cNvPr id="4" name="文字方塊 3"/>
+          <p:cNvSpPr txBox="1"/>
+          <p:nvPr/>
+        </p:nvSpPr>
+        <p:spPr>
+          <a:xfrm>
+            <a:off x="0" y="4500576"/>
+            <a:ext cx="9144000" cy="400110"/>
+          </a:xfrm>
+          <a:prstGeom prst="rect">
+            <a:avLst/>
+          </a:prstGeom>
+          <a:noFill/>
+        </p:spPr>
+        <p:txBody>
+          <a:bodyPr wrap="square" rtlCol="0">
+            <a:spAutoFit/>
+          </a:bodyPr>
+          <a:lstStyle/>
+          <a:p>
+            <a:pPr algn="ctr"/>
+            <a:r>
+              <a:rPr lang="en-US" altLang="zh-TW" sz="2000" b="1" dirty="0" smtClean="0">
+                <a:solidFill>
+                  <a:srgbClr val="660033"/>
+                </a:solidFill>
+              </a:rPr>
+              <a:t>( Chorus 2 )</a:t>
+            </a:r>
+            <a:endParaRPr lang="zh-TW" altLang="en-US" sz="2000" b="1" dirty="0">
+              <a:solidFill>
+                <a:srgbClr val="660033"/>
+              </a:solidFill>
+            </a:endParaRPr>
+          </a:p>
+        </p:txBody>
+      </p:sp>
+    </p:spTree>
+  </p:cSld>
+  <p:clrMapOvr>
+    <a:masterClrMapping/>
+  </p:clrMapOvr>
+  <p:timing>
+    <p:tnLst>
+      <p:par>
+        <p:cTn id="1" dur="indefinite" restart="never" nodeType="tmRoot"/>
+      </p:par>
+    </p:tnLst>
+  </p:timing>
 </p:sld>
 </file>
 
@@ -4192,6 +6373,250 @@
   <p:clrMapOvr>
     <a:masterClrMapping/>
   </p:clrMapOvr>
+  <p:timing>
+    <p:tnLst>
+      <p:par>
+        <p:cTn id="1" dur="indefinite" restart="never" nodeType="tmRoot"/>
+      </p:par>
+    </p:tnLst>
+  </p:timing>
+</p:sld>
+</file>
+
+<file path=ppt/slides/slide20.xml><?xml version="1.0" encoding="utf-8"?>
+<p:sld xmlns:a="http://schemas.openxmlformats.org/drawingml/2006/main" xmlns:r="http://schemas.openxmlformats.org/officeDocument/2006/relationships" xmlns:p="http://schemas.openxmlformats.org/presentationml/2006/main">
+  <p:cSld>
+    <p:spTree>
+      <p:nvGrpSpPr>
+        <p:cNvPr id="1" name=""/>
+        <p:cNvGrpSpPr/>
+        <p:nvPr/>
+      </p:nvGrpSpPr>
+      <p:grpSpPr>
+        <a:xfrm>
+          <a:off x="0" y="0"/>
+          <a:ext cx="0" cy="0"/>
+          <a:chOff x="0" y="0"/>
+          <a:chExt cx="0" cy="0"/>
+        </a:xfrm>
+      </p:grpSpPr>
+      <p:sp>
+        <p:nvSpPr>
+          <p:cNvPr id="2" name="標題 1"/>
+          <p:cNvSpPr>
+            <a:spLocks noGrp="1"/>
+          </p:cNvSpPr>
+          <p:nvPr>
+            <p:ph type="title"/>
+          </p:nvPr>
+        </p:nvSpPr>
+        <p:spPr/>
+        <p:txBody>
+          <a:bodyPr>
+            <a:normAutofit/>
+          </a:bodyPr>
+          <a:lstStyle/>
+          <a:p>
+            <a:r>
+              <a:rPr lang="zh-TW" altLang="en-US" sz="4000" b="1" dirty="0" smtClean="0">
+                <a:solidFill>
+                  <a:srgbClr val="660033"/>
+                </a:solidFill>
+                <a:latin typeface="微軟正黑體" pitchFamily="34" charset="-120"/>
+                <a:ea typeface="微軟正黑體" pitchFamily="34" charset="-120"/>
+              </a:rPr>
+              <a:t>平安</a:t>
+            </a:r>
+            <a:endParaRPr lang="zh-TW" altLang="en-US" sz="4000" b="1" dirty="0">
+              <a:solidFill>
+                <a:srgbClr val="660033"/>
+              </a:solidFill>
+              <a:latin typeface="微軟正黑體" pitchFamily="34" charset="-120"/>
+              <a:ea typeface="微軟正黑體" pitchFamily="34" charset="-120"/>
+            </a:endParaRPr>
+          </a:p>
+        </p:txBody>
+      </p:sp>
+      <p:sp>
+        <p:nvSpPr>
+          <p:cNvPr id="3" name="內容版面配置區 2"/>
+          <p:cNvSpPr>
+            <a:spLocks noGrp="1"/>
+          </p:cNvSpPr>
+          <p:nvPr>
+            <p:ph idx="1"/>
+          </p:nvPr>
+        </p:nvSpPr>
+        <p:spPr/>
+        <p:txBody>
+          <a:bodyPr>
+            <a:normAutofit/>
+          </a:bodyPr>
+          <a:lstStyle/>
+          <a:p>
+            <a:pPr algn="ctr">
+              <a:buNone/>
+            </a:pPr>
+            <a:r>
+              <a:rPr lang="zh-TW" altLang="en-US" sz="4400" b="1" dirty="0" smtClean="0">
+                <a:solidFill>
+                  <a:srgbClr val="660033"/>
+                </a:solidFill>
+                <a:latin typeface="微軟正黑體" pitchFamily="34" charset="-120"/>
+                <a:ea typeface="微軟正黑體" pitchFamily="34" charset="-120"/>
+              </a:rPr>
+              <a:t>主 祢賜下</a:t>
+            </a:r>
+            <a:r>
+              <a:rPr lang="zh-TW" altLang="en-US" sz="4400" b="1" dirty="0" smtClean="0">
+                <a:solidFill>
+                  <a:srgbClr val="660033"/>
+                </a:solidFill>
+                <a:latin typeface="微軟正黑體" pitchFamily="34" charset="-120"/>
+                <a:ea typeface="微軟正黑體" pitchFamily="34" charset="-120"/>
+              </a:rPr>
+              <a:t>這平安</a:t>
+            </a:r>
+            <a:endParaRPr lang="en-US" altLang="zh-TW" sz="4400" b="1" dirty="0" smtClean="0">
+              <a:solidFill>
+                <a:srgbClr val="660033"/>
+              </a:solidFill>
+              <a:latin typeface="微軟正黑體" pitchFamily="34" charset="-120"/>
+              <a:ea typeface="微軟正黑體" pitchFamily="34" charset="-120"/>
+            </a:endParaRPr>
+          </a:p>
+          <a:p>
+            <a:pPr algn="ctr">
+              <a:buNone/>
+            </a:pPr>
+            <a:r>
+              <a:rPr lang="zh-TW" altLang="en-US" sz="4400" b="1" dirty="0" smtClean="0">
+                <a:solidFill>
+                  <a:srgbClr val="660033"/>
+                </a:solidFill>
+                <a:latin typeface="微軟正黑體" pitchFamily="34" charset="-120"/>
+                <a:ea typeface="微軟正黑體" pitchFamily="34" charset="-120"/>
+              </a:rPr>
+              <a:t>是用重價換來</a:t>
+            </a:r>
+            <a:r>
+              <a:rPr lang="zh-TW" altLang="en-US" sz="4400" b="1" dirty="0" smtClean="0">
+                <a:solidFill>
+                  <a:srgbClr val="660033"/>
+                </a:solidFill>
+                <a:latin typeface="微軟正黑體" pitchFamily="34" charset="-120"/>
+                <a:ea typeface="微軟正黑體" pitchFamily="34" charset="-120"/>
+              </a:rPr>
+              <a:t>的</a:t>
+            </a:r>
+            <a:r>
+              <a:rPr lang="zh-CN" altLang="en-US" sz="4400" b="1" dirty="0" smtClean="0">
+                <a:solidFill>
+                  <a:srgbClr val="660033"/>
+                </a:solidFill>
+                <a:latin typeface="微軟正黑體" pitchFamily="34" charset="-120"/>
+                <a:ea typeface="微軟正黑體" pitchFamily="34" charset="-120"/>
+              </a:rPr>
+              <a:t>恩典</a:t>
+            </a:r>
+            <a:endParaRPr lang="en-US" altLang="zh-TW" sz="4400" b="1" dirty="0" smtClean="0">
+              <a:solidFill>
+                <a:srgbClr val="660033"/>
+              </a:solidFill>
+              <a:latin typeface="微軟正黑體" pitchFamily="34" charset="-120"/>
+              <a:ea typeface="微軟正黑體" pitchFamily="34" charset="-120"/>
+            </a:endParaRPr>
+          </a:p>
+          <a:p>
+            <a:pPr algn="ctr">
+              <a:buNone/>
+            </a:pPr>
+            <a:r>
+              <a:rPr lang="zh-TW" altLang="en-US" sz="4400" b="1" dirty="0" smtClean="0">
+                <a:solidFill>
+                  <a:srgbClr val="660033"/>
+                </a:solidFill>
+                <a:latin typeface="微軟正黑體" pitchFamily="34" charset="-120"/>
+                <a:ea typeface="微軟正黑體" pitchFamily="34" charset="-120"/>
+              </a:rPr>
+              <a:t>受鞭傷使我得醫治</a:t>
+            </a:r>
+            <a:endParaRPr lang="en-US" altLang="zh-TW" sz="4400" b="1" dirty="0" smtClean="0">
+              <a:solidFill>
+                <a:srgbClr val="660033"/>
+              </a:solidFill>
+              <a:latin typeface="微軟正黑體" pitchFamily="34" charset="-120"/>
+              <a:ea typeface="微軟正黑體" pitchFamily="34" charset="-120"/>
+            </a:endParaRPr>
+          </a:p>
+          <a:p>
+            <a:pPr algn="ctr">
+              <a:buNone/>
+            </a:pPr>
+            <a:r>
+              <a:rPr lang="zh-TW" altLang="en-US" sz="4400" b="1" dirty="0" smtClean="0">
+                <a:solidFill>
+                  <a:srgbClr val="660033"/>
+                </a:solidFill>
+                <a:latin typeface="微軟正黑體" pitchFamily="34" charset="-120"/>
+                <a:ea typeface="微軟正黑體" pitchFamily="34" charset="-120"/>
+              </a:rPr>
+              <a:t>受刑罰讓我得到赦免</a:t>
+            </a:r>
+          </a:p>
+        </p:txBody>
+      </p:sp>
+      <p:sp>
+        <p:nvSpPr>
+          <p:cNvPr id="4" name="文字方塊 3"/>
+          <p:cNvSpPr txBox="1"/>
+          <p:nvPr/>
+        </p:nvSpPr>
+        <p:spPr>
+          <a:xfrm>
+            <a:off x="0" y="4500576"/>
+            <a:ext cx="9144000" cy="400110"/>
+          </a:xfrm>
+          <a:prstGeom prst="rect">
+            <a:avLst/>
+          </a:prstGeom>
+          <a:noFill/>
+        </p:spPr>
+        <p:txBody>
+          <a:bodyPr wrap="square" rtlCol="0">
+            <a:spAutoFit/>
+          </a:bodyPr>
+          <a:lstStyle/>
+          <a:p>
+            <a:pPr algn="ctr"/>
+            <a:r>
+              <a:rPr lang="en-US" altLang="zh-TW" sz="2000" b="1" dirty="0" smtClean="0">
+                <a:solidFill>
+                  <a:srgbClr val="660033"/>
+                </a:solidFill>
+              </a:rPr>
+              <a:t>( Chorus 2 )</a:t>
+            </a:r>
+            <a:endParaRPr lang="zh-TW" altLang="en-US" sz="2000" b="1" dirty="0">
+              <a:solidFill>
+                <a:srgbClr val="660033"/>
+              </a:solidFill>
+            </a:endParaRPr>
+          </a:p>
+        </p:txBody>
+      </p:sp>
+    </p:spTree>
+  </p:cSld>
+  <p:clrMapOvr>
+    <a:masterClrMapping/>
+  </p:clrMapOvr>
+  <p:timing>
+    <p:tnLst>
+      <p:par>
+        <p:cTn id="1" dur="indefinite" restart="never" nodeType="tmRoot"/>
+      </p:par>
+    </p:tnLst>
+  </p:timing>
 </p:sld>
 </file>
 
@@ -4406,6 +6831,13 @@
   <p:clrMapOvr>
     <a:masterClrMapping/>
   </p:clrMapOvr>
+  <p:timing>
+    <p:tnLst>
+      <p:par>
+        <p:cTn id="1" dur="indefinite" restart="never" nodeType="tmRoot"/>
+      </p:par>
+    </p:tnLst>
+  </p:timing>
 </p:sld>
 </file>
 
@@ -4590,6 +7022,13 @@
   <p:clrMapOvr>
     <a:masterClrMapping/>
   </p:clrMapOvr>
+  <p:timing>
+    <p:tnLst>
+      <p:par>
+        <p:cTn id="1" dur="indefinite" restart="never" nodeType="tmRoot"/>
+      </p:par>
+    </p:tnLst>
+  </p:timing>
 </p:sld>
 </file>
 
@@ -4628,58 +7067,108 @@
           <a:lstStyle/>
           <a:p>
             <a:r>
+              <a:rPr lang="zh-TW" altLang="en-US" sz="3600" b="1" dirty="0">
+                <a:solidFill>
+                  <a:srgbClr val="002060"/>
+                </a:solidFill>
+                <a:latin typeface="微軟正黑體" pitchFamily="34" charset="-120"/>
+                <a:ea typeface="微軟正黑體" pitchFamily="34" charset="-120"/>
+              </a:rPr>
+              <a:t>信心的等待</a:t>
+            </a:r>
+          </a:p>
+        </p:txBody>
+      </p:sp>
+      <p:sp>
+        <p:nvSpPr>
+          <p:cNvPr id="3" name="內容版面配置區 2"/>
+          <p:cNvSpPr>
+            <a:spLocks noGrp="1"/>
+          </p:cNvSpPr>
+          <p:nvPr>
+            <p:ph idx="1"/>
+          </p:nvPr>
+        </p:nvSpPr>
+        <p:spPr>
+          <a:xfrm>
+            <a:off x="457200" y="1200150"/>
+            <a:ext cx="8229600" cy="3943350"/>
+          </a:xfrm>
+        </p:spPr>
+        <p:txBody>
+          <a:bodyPr>
+            <a:noAutofit/>
+          </a:bodyPr>
+          <a:lstStyle/>
+          <a:p>
+            <a:pPr algn="ctr">
+              <a:buNone/>
+            </a:pPr>
+            <a:r>
+              <a:rPr lang="zh-TW" altLang="en-US" sz="4000" b="1" dirty="0">
+                <a:solidFill>
+                  <a:srgbClr val="002060"/>
+                </a:solidFill>
+                <a:latin typeface="微軟正黑體" pitchFamily="34" charset="-120"/>
+                <a:ea typeface="微軟正黑體" pitchFamily="34" charset="-120"/>
+              </a:rPr>
+              <a:t>明天怎麼你還是</a:t>
+            </a:r>
+            <a:r>
               <a:rPr lang="zh-TW" altLang="en-US" sz="4000" b="1" dirty="0" smtClean="0">
                 <a:solidFill>
-                  <a:srgbClr val="660033"/>
-                </a:solidFill>
-                <a:latin typeface="微軟正黑體" pitchFamily="34" charset="-120"/>
-                <a:ea typeface="微軟正黑體" pitchFamily="34" charset="-120"/>
-              </a:rPr>
-              <a:t>平安</a:t>
-            </a:r>
-            <a:endParaRPr lang="zh-TW" altLang="en-US" sz="4000" b="1" dirty="0">
+                  <a:srgbClr val="002060"/>
+                </a:solidFill>
+                <a:latin typeface="微軟正黑體" pitchFamily="34" charset="-120"/>
+                <a:ea typeface="微軟正黑體" pitchFamily="34" charset="-120"/>
+              </a:rPr>
+              <a:t>不知道</a:t>
+            </a:r>
+            <a:endParaRPr lang="en-US" altLang="zh-TW" sz="4000" b="1" dirty="0" smtClean="0">
               <a:solidFill>
-                <a:srgbClr val="660033"/>
+                <a:srgbClr val="002060"/>
               </a:solidFill>
               <a:latin typeface="微軟正黑體" pitchFamily="34" charset="-120"/>
               <a:ea typeface="微軟正黑體" pitchFamily="34" charset="-120"/>
             </a:endParaRPr>
           </a:p>
-        </p:txBody>
-      </p:sp>
-      <p:sp>
-        <p:nvSpPr>
-          <p:cNvPr id="3" name="內容版面配置區 2"/>
-          <p:cNvSpPr>
-            <a:spLocks noGrp="1"/>
-          </p:cNvSpPr>
-          <p:nvPr>
-            <p:ph idx="1"/>
-          </p:nvPr>
-        </p:nvSpPr>
-        <p:spPr/>
-        <p:txBody>
-          <a:bodyPr>
-            <a:normAutofit/>
-          </a:bodyPr>
-          <a:lstStyle/>
           <a:p>
             <a:pPr algn="ctr">
               <a:buNone/>
             </a:pPr>
             <a:r>
-              <a:rPr lang="zh-TW" altLang="en-US" sz="4400" b="1" dirty="0" smtClean="0">
-                <a:solidFill>
-                  <a:srgbClr val="660033"/>
-                </a:solidFill>
-                <a:latin typeface="微軟正黑體" pitchFamily="34" charset="-120"/>
-                <a:ea typeface="微軟正黑體" pitchFamily="34" charset="-120"/>
-              </a:rPr>
-              <a:t>就算世界刮著狂風暴雨 </a:t>
-            </a:r>
-            <a:endParaRPr lang="en-US" altLang="zh-TW" sz="4400" b="1" dirty="0" smtClean="0">
+              <a:rPr lang="zh-TW" altLang="en-US" sz="4000" b="1" dirty="0" smtClean="0">
+                <a:solidFill>
+                  <a:srgbClr val="002060"/>
+                </a:solidFill>
+                <a:latin typeface="微軟正黑體" pitchFamily="34" charset="-120"/>
+                <a:ea typeface="微軟正黑體" pitchFamily="34" charset="-120"/>
+              </a:rPr>
+              <a:t>越</a:t>
+            </a:r>
+            <a:r>
+              <a:rPr lang="zh-TW" altLang="en-US" sz="4000" b="1" dirty="0">
+                <a:solidFill>
+                  <a:srgbClr val="002060"/>
+                </a:solidFill>
+                <a:latin typeface="微軟正黑體" pitchFamily="34" charset="-120"/>
+                <a:ea typeface="微軟正黑體" pitchFamily="34" charset="-120"/>
+              </a:rPr>
+              <a:t>想得到的總會得</a:t>
+            </a:r>
+            <a:r>
+              <a:rPr lang="zh-TW" altLang="en-US" sz="4000" b="1" dirty="0" smtClean="0">
+                <a:solidFill>
+                  <a:srgbClr val="002060"/>
+                </a:solidFill>
+                <a:latin typeface="微軟正黑體" pitchFamily="34" charset="-120"/>
+                <a:ea typeface="微軟正黑體" pitchFamily="34" charset="-120"/>
+              </a:rPr>
+              <a:t>不到</a:t>
+            </a:r>
+            <a:endParaRPr lang="en-US" altLang="zh-TW" sz="4000" b="1" dirty="0">
               <a:solidFill>
-                <a:srgbClr val="660033"/>
+                <a:srgbClr val="002060"/>
               </a:solidFill>
               <a:latin typeface="微軟正黑體" pitchFamily="34" charset="-120"/>
               <a:ea typeface="微軟正黑體" pitchFamily="34" charset="-120"/>
@@ -4690,28 +7179,38 @@
               <a:buNone/>
             </a:pPr>
             <a:r>
-              <a:rPr lang="zh-TW" altLang="en-US" sz="4400" b="1" dirty="0" smtClean="0">
-                <a:solidFill>
-                  <a:srgbClr val="660033"/>
-                </a:solidFill>
-                <a:latin typeface="微軟正黑體" pitchFamily="34" charset="-120"/>
-                <a:ea typeface="微軟正黑體" pitchFamily="34" charset="-120"/>
-              </a:rPr>
-              <a:t>我</a:t>
-            </a:r>
-            <a:r>
-              <a:rPr lang="zh-TW" altLang="en-US" sz="4400" b="1" dirty="0" smtClean="0">
-                <a:solidFill>
-                  <a:srgbClr val="660033"/>
-                </a:solidFill>
-                <a:latin typeface="微軟正黑體" pitchFamily="34" charset="-120"/>
-                <a:ea typeface="微軟正黑體" pitchFamily="34" charset="-120"/>
-              </a:rPr>
-              <a:t>心仍是穩妥安舒 </a:t>
-            </a:r>
-            <a:endParaRPr lang="en-US" altLang="zh-TW" sz="4400" b="1" dirty="0" smtClean="0">
+              <a:rPr lang="zh-TW" altLang="en-US" sz="4000" b="1" dirty="0" smtClean="0">
+                <a:solidFill>
+                  <a:srgbClr val="002060"/>
+                </a:solidFill>
+                <a:latin typeface="微軟正黑體" pitchFamily="34" charset="-120"/>
+                <a:ea typeface="微軟正黑體" pitchFamily="34" charset="-120"/>
+              </a:rPr>
+              <a:t>人</a:t>
+            </a:r>
+            <a:r>
+              <a:rPr lang="zh-TW" altLang="en-US" sz="4000" b="1" dirty="0">
+                <a:solidFill>
+                  <a:srgbClr val="002060"/>
+                </a:solidFill>
+                <a:latin typeface="微軟正黑體" pitchFamily="34" charset="-120"/>
+                <a:ea typeface="微軟正黑體" pitchFamily="34" charset="-120"/>
+              </a:rPr>
+              <a:t>生就像一片</a:t>
+            </a:r>
+            <a:r>
+              <a:rPr lang="zh-TW" altLang="en-US" sz="4000" b="1" dirty="0" smtClean="0">
+                <a:solidFill>
+                  <a:srgbClr val="002060"/>
+                </a:solidFill>
+                <a:latin typeface="微軟正黑體" pitchFamily="34" charset="-120"/>
+                <a:ea typeface="微軟正黑體" pitchFamily="34" charset="-120"/>
+              </a:rPr>
+              <a:t>雲霧</a:t>
+            </a:r>
+            <a:endParaRPr lang="en-US" altLang="zh-TW" sz="4000" b="1" dirty="0" smtClean="0">
               <a:solidFill>
-                <a:srgbClr val="660033"/>
+                <a:srgbClr val="002060"/>
               </a:solidFill>
               <a:latin typeface="微軟正黑體" pitchFamily="34" charset="-120"/>
               <a:ea typeface="微軟正黑體" pitchFamily="34" charset="-120"/>
@@ -4722,28 +7221,38 @@
               <a:buNone/>
             </a:pPr>
             <a:r>
-              <a:rPr lang="zh-TW" altLang="en-US" sz="4400" b="1" dirty="0" smtClean="0">
-                <a:solidFill>
-                  <a:srgbClr val="660033"/>
-                </a:solidFill>
-                <a:latin typeface="微軟正黑體" pitchFamily="34" charset="-120"/>
-                <a:ea typeface="微軟正黑體" pitchFamily="34" charset="-120"/>
-              </a:rPr>
-              <a:t>無論</a:t>
-            </a:r>
-            <a:r>
-              <a:rPr lang="zh-TW" altLang="en-US" sz="4400" b="1" dirty="0" smtClean="0">
-                <a:solidFill>
-                  <a:srgbClr val="660033"/>
-                </a:solidFill>
-                <a:latin typeface="微軟正黑體" pitchFamily="34" charset="-120"/>
-                <a:ea typeface="微軟正黑體" pitchFamily="34" charset="-120"/>
-              </a:rPr>
-              <a:t>前路灰暗 憂傷困倦 </a:t>
-            </a:r>
-            <a:endParaRPr lang="en-US" altLang="zh-TW" sz="4400" b="1" dirty="0" smtClean="0">
+              <a:rPr lang="zh-TW" altLang="en-US" sz="4000" b="1" dirty="0" smtClean="0">
+                <a:solidFill>
+                  <a:srgbClr val="002060"/>
+                </a:solidFill>
+                <a:latin typeface="微軟正黑體" pitchFamily="34" charset="-120"/>
+                <a:ea typeface="微軟正黑體" pitchFamily="34" charset="-120"/>
+              </a:rPr>
+              <a:t>出現</a:t>
+            </a:r>
+            <a:r>
+              <a:rPr lang="zh-TW" altLang="en-US" sz="4000" b="1" dirty="0">
+                <a:solidFill>
+                  <a:srgbClr val="002060"/>
+                </a:solidFill>
+                <a:latin typeface="微軟正黑體" pitchFamily="34" charset="-120"/>
+                <a:ea typeface="微軟正黑體" pitchFamily="34" charset="-120"/>
+              </a:rPr>
+              <a:t>少時就不</a:t>
+            </a:r>
+            <a:r>
+              <a:rPr lang="zh-TW" altLang="en-US" sz="4000" b="1" dirty="0" smtClean="0">
+                <a:solidFill>
+                  <a:srgbClr val="002060"/>
+                </a:solidFill>
+                <a:latin typeface="微軟正黑體" pitchFamily="34" charset="-120"/>
+                <a:ea typeface="微軟正黑體" pitchFamily="34" charset="-120"/>
+              </a:rPr>
+              <a:t>見到</a:t>
+            </a:r>
+            <a:endParaRPr lang="en-US" altLang="zh-TW" sz="4000" b="1" dirty="0" smtClean="0">
               <a:solidFill>
-                <a:srgbClr val="660033"/>
+                <a:srgbClr val="002060"/>
               </a:solidFill>
               <a:latin typeface="微軟正黑體" pitchFamily="34" charset="-120"/>
               <a:ea typeface="微軟正黑體" pitchFamily="34" charset="-120"/>
@@ -4754,70 +7263,21 @@
               <a:buNone/>
             </a:pPr>
             <a:r>
-              <a:rPr lang="zh-TW" altLang="en-US" sz="4400" b="1" dirty="0" smtClean="0">
-                <a:solidFill>
-                  <a:srgbClr val="660033"/>
-                </a:solidFill>
-                <a:latin typeface="微軟正黑體" pitchFamily="34" charset="-120"/>
-                <a:ea typeface="微軟正黑體" pitchFamily="34" charset="-120"/>
-              </a:rPr>
-              <a:t>祢</a:t>
-            </a:r>
-            <a:r>
-              <a:rPr lang="zh-TW" altLang="en-US" sz="4400" b="1" dirty="0" smtClean="0">
-                <a:solidFill>
-                  <a:srgbClr val="660033"/>
-                </a:solidFill>
-                <a:latin typeface="微軟正黑體" pitchFamily="34" charset="-120"/>
-                <a:ea typeface="微軟正黑體" pitchFamily="34" charset="-120"/>
-              </a:rPr>
-              <a:t>讓我站穩 磐石之處</a:t>
-            </a:r>
-            <a:endParaRPr lang="zh-TW" altLang="en-US" sz="4400" b="1" dirty="0">
+              <a:rPr lang="zh-TW" altLang="en-US" sz="4000" b="1" dirty="0" smtClean="0">
+                <a:solidFill>
+                  <a:srgbClr val="002060"/>
+                </a:solidFill>
+                <a:latin typeface="微軟正黑體" pitchFamily="34" charset="-120"/>
+                <a:ea typeface="微軟正黑體" pitchFamily="34" charset="-120"/>
+              </a:rPr>
+              <a:t>何必計較那得失終老</a:t>
+            </a:r>
+            <a:endParaRPr lang="en-US" altLang="zh-TW" sz="4000" b="1" dirty="0" smtClean="0">
               <a:solidFill>
-                <a:srgbClr val="660033"/>
+                <a:srgbClr val="002060"/>
               </a:solidFill>
               <a:latin typeface="微軟正黑體" pitchFamily="34" charset="-120"/>
               <a:ea typeface="微軟正黑體" pitchFamily="34" charset="-120"/>
-            </a:endParaRPr>
-          </a:p>
-        </p:txBody>
-      </p:sp>
-      <p:sp>
-        <p:nvSpPr>
-          <p:cNvPr id="4" name="文字方塊 3"/>
-          <p:cNvSpPr txBox="1"/>
-          <p:nvPr/>
-        </p:nvSpPr>
-        <p:spPr>
-          <a:xfrm>
-            <a:off x="0" y="4500576"/>
-            <a:ext cx="9144000" cy="400110"/>
-          </a:xfrm>
-          <a:prstGeom prst="rect">
-            <a:avLst/>
-          </a:prstGeom>
-          <a:noFill/>
-        </p:spPr>
-        <p:txBody>
-          <a:bodyPr wrap="square" rtlCol="0">
-            <a:spAutoFit/>
-          </a:bodyPr>
-          <a:lstStyle/>
-          <a:p>
-            <a:pPr algn="ctr"/>
-            <a:r>
-              <a:rPr lang="en-US" altLang="zh-TW" sz="2000" b="1" dirty="0" smtClean="0">
-                <a:solidFill>
-                  <a:srgbClr val="660033"/>
-                </a:solidFill>
-              </a:rPr>
-              <a:t>( Verse 1 )</a:t>
-            </a:r>
-            <a:endParaRPr lang="zh-TW" altLang="en-US" sz="2000" b="1" dirty="0">
-              <a:solidFill>
-                <a:srgbClr val="660033"/>
-              </a:solidFill>
             </a:endParaRPr>
           </a:p>
         </p:txBody>
@@ -4827,6 +7287,13 @@
   <p:clrMapOvr>
     <a:masterClrMapping/>
   </p:clrMapOvr>
+  <p:timing>
+    <p:tnLst>
+      <p:par>
+        <p:cTn id="1" dur="indefinite" restart="never" nodeType="tmRoot"/>
+      </p:par>
+    </p:tnLst>
+  </p:timing>
 </p:sld>
 </file>
 
@@ -4865,58 +7332,123 @@
           <a:lstStyle/>
           <a:p>
             <a:r>
-              <a:rPr lang="zh-TW" altLang="en-US" sz="4000" b="1" dirty="0" smtClean="0">
-                <a:solidFill>
-                  <a:srgbClr val="660033"/>
-                </a:solidFill>
-                <a:latin typeface="微軟正黑體" pitchFamily="34" charset="-120"/>
-                <a:ea typeface="微軟正黑體" pitchFamily="34" charset="-120"/>
-              </a:rPr>
-              <a:t>平安</a:t>
-            </a:r>
-            <a:endParaRPr lang="zh-TW" altLang="en-US" sz="4000" b="1" dirty="0">
+              <a:rPr lang="zh-TW" altLang="en-US" sz="3600" b="1" dirty="0">
+                <a:solidFill>
+                  <a:srgbClr val="002060"/>
+                </a:solidFill>
+                <a:latin typeface="微軟正黑體" pitchFamily="34" charset="-120"/>
+                <a:ea typeface="微軟正黑體" pitchFamily="34" charset="-120"/>
+              </a:rPr>
+              <a:t>信心的等待</a:t>
+            </a:r>
+          </a:p>
+        </p:txBody>
+      </p:sp>
+      <p:sp>
+        <p:nvSpPr>
+          <p:cNvPr id="3" name="內容版面配置區 2"/>
+          <p:cNvSpPr>
+            <a:spLocks noGrp="1"/>
+          </p:cNvSpPr>
+          <p:nvPr>
+            <p:ph idx="1"/>
+          </p:nvPr>
+        </p:nvSpPr>
+        <p:spPr/>
+        <p:txBody>
+          <a:bodyPr>
+            <a:noAutofit/>
+          </a:bodyPr>
+          <a:lstStyle/>
+          <a:p>
+            <a:pPr algn="ctr">
+              <a:buNone/>
+            </a:pPr>
+            <a:r>
+              <a:rPr lang="zh-TW" altLang="en-US" sz="4400" b="1" dirty="0" smtClean="0">
+                <a:solidFill>
+                  <a:srgbClr val="002060"/>
+                </a:solidFill>
+                <a:latin typeface="微軟正黑體" pitchFamily="34" charset="-120"/>
+                <a:ea typeface="微軟正黑體" pitchFamily="34" charset="-120"/>
+              </a:rPr>
+              <a:t>在</a:t>
+            </a:r>
+            <a:r>
+              <a:rPr lang="zh-TW" altLang="en-US" sz="4400" b="1" dirty="0">
+                <a:solidFill>
+                  <a:srgbClr val="002060"/>
+                </a:solidFill>
+                <a:latin typeface="微軟正黑體" pitchFamily="34" charset="-120"/>
+                <a:ea typeface="微軟正黑體" pitchFamily="34" charset="-120"/>
+              </a:rPr>
+              <a:t>這幽谷之中我宣告</a:t>
+            </a:r>
+            <a:endParaRPr lang="en-US" altLang="zh-TW" sz="4400" b="1" dirty="0">
               <a:solidFill>
-                <a:srgbClr val="660033"/>
+                <a:srgbClr val="002060"/>
               </a:solidFill>
               <a:latin typeface="微軟正黑體" pitchFamily="34" charset="-120"/>
               <a:ea typeface="微軟正黑體" pitchFamily="34" charset="-120"/>
             </a:endParaRPr>
           </a:p>
-        </p:txBody>
-      </p:sp>
-      <p:sp>
-        <p:nvSpPr>
-          <p:cNvPr id="3" name="內容版面配置區 2"/>
-          <p:cNvSpPr>
-            <a:spLocks noGrp="1"/>
-          </p:cNvSpPr>
-          <p:nvPr>
-            <p:ph idx="1"/>
-          </p:nvPr>
-        </p:nvSpPr>
-        <p:spPr/>
-        <p:txBody>
-          <a:bodyPr>
-            <a:normAutofit/>
-          </a:bodyPr>
-          <a:lstStyle/>
           <a:p>
             <a:pPr algn="ctr">
               <a:buNone/>
             </a:pPr>
             <a:r>
+              <a:rPr lang="zh-TW" altLang="en-US" sz="4400" b="1" dirty="0">
+                <a:solidFill>
+                  <a:srgbClr val="002060"/>
+                </a:solidFill>
+                <a:latin typeface="微軟正黑體" pitchFamily="34" charset="-120"/>
+                <a:ea typeface="微軟正黑體" pitchFamily="34" charset="-120"/>
+              </a:rPr>
+              <a:t>不必怕因</a:t>
+            </a:r>
+            <a:r>
               <a:rPr lang="zh-TW" altLang="en-US" sz="4400" b="1" dirty="0" smtClean="0">
                 <a:solidFill>
-                  <a:srgbClr val="660033"/>
-                </a:solidFill>
-                <a:latin typeface="微軟正黑體" pitchFamily="34" charset="-120"/>
-                <a:ea typeface="微軟正黑體" pitchFamily="34" charset="-120"/>
-              </a:rPr>
-              <a:t>就算捆鎖劫難縈繞著我 </a:t>
-            </a:r>
-            <a:endParaRPr lang="en-US" altLang="zh-TW" sz="4400" b="1" dirty="0" smtClean="0">
+                  <a:srgbClr val="002060"/>
+                </a:solidFill>
+                <a:latin typeface="微軟正黑體" pitchFamily="34" charset="-120"/>
+                <a:ea typeface="微軟正黑體" pitchFamily="34" charset="-120"/>
+              </a:rPr>
+              <a:t>有</a:t>
+            </a:r>
+            <a:r>
+              <a:rPr lang="zh-CN" altLang="en-US" sz="4400" b="1" dirty="0" smtClean="0">
+                <a:solidFill>
+                  <a:srgbClr val="002060"/>
+                </a:solidFill>
+                <a:latin typeface="微軟正黑體" pitchFamily="34" charset="-120"/>
+                <a:ea typeface="微軟正黑體" pitchFamily="34" charset="-120"/>
+              </a:rPr>
+              <a:t>袮</a:t>
+            </a:r>
+            <a:r>
+              <a:rPr lang="zh-TW" altLang="en-US" sz="4400" b="1" dirty="0" smtClean="0">
+                <a:solidFill>
+                  <a:srgbClr val="002060"/>
+                </a:solidFill>
+                <a:latin typeface="微軟正黑體" pitchFamily="34" charset="-120"/>
+                <a:ea typeface="微軟正黑體" pitchFamily="34" charset="-120"/>
+              </a:rPr>
+              <a:t>同</a:t>
+            </a:r>
+            <a:r>
+              <a:rPr lang="zh-TW" altLang="en-US" sz="4400" b="1" dirty="0">
+                <a:solidFill>
+                  <a:srgbClr val="002060"/>
+                </a:solidFill>
+                <a:latin typeface="微軟正黑體" pitchFamily="34" charset="-120"/>
+                <a:ea typeface="微軟正黑體" pitchFamily="34" charset="-120"/>
+              </a:rPr>
+              <a:t>在</a:t>
+            </a:r>
+            <a:endParaRPr lang="en-US" altLang="zh-TW" sz="4400" b="1" dirty="0">
               <a:solidFill>
-                <a:srgbClr val="660033"/>
+                <a:srgbClr val="002060"/>
               </a:solidFill>
               <a:latin typeface="微軟正黑體" pitchFamily="34" charset="-120"/>
               <a:ea typeface="微軟正黑體" pitchFamily="34" charset="-120"/>
@@ -4927,18 +7459,18 @@
               <a:buNone/>
             </a:pPr>
             <a:r>
-              <a:rPr lang="zh-TW" altLang="en-US" sz="4400" b="1" dirty="0" smtClean="0">
-                <a:solidFill>
-                  <a:srgbClr val="660033"/>
-                </a:solidFill>
-                <a:latin typeface="微軟正黑體" pitchFamily="34" charset="-120"/>
-                <a:ea typeface="微軟正黑體" pitchFamily="34" charset="-120"/>
-              </a:rPr>
-              <a:t>我心藏著不死盼望</a:t>
-            </a:r>
-            <a:endParaRPr lang="en-US" altLang="zh-TW" sz="4400" b="1" dirty="0" smtClean="0">
+              <a:rPr lang="zh-TW" altLang="en-US" sz="4400" b="1" dirty="0">
+                <a:solidFill>
+                  <a:srgbClr val="002060"/>
+                </a:solidFill>
+                <a:latin typeface="微軟正黑體" pitchFamily="34" charset="-120"/>
+                <a:ea typeface="微軟正黑體" pitchFamily="34" charset="-120"/>
+              </a:rPr>
+              <a:t>別人笑我為甚麼等待</a:t>
+            </a:r>
+            <a:endParaRPr lang="en-US" altLang="zh-TW" sz="4400" b="1" dirty="0">
               <a:solidFill>
-                <a:srgbClr val="660033"/>
+                <a:srgbClr val="002060"/>
               </a:solidFill>
               <a:latin typeface="微軟正黑體" pitchFamily="34" charset="-120"/>
               <a:ea typeface="微軟正黑體" pitchFamily="34" charset="-120"/>
@@ -4949,76 +7481,55 @@
               <a:buNone/>
             </a:pPr>
             <a:r>
+              <a:rPr lang="zh-TW" altLang="en-US" sz="4400" b="1" dirty="0">
+                <a:solidFill>
+                  <a:srgbClr val="002060"/>
+                </a:solidFill>
+                <a:latin typeface="微軟正黑體" pitchFamily="34" charset="-120"/>
+                <a:ea typeface="微軟正黑體" pitchFamily="34" charset="-120"/>
+              </a:rPr>
+              <a:t>因我知道盼望</a:t>
+            </a:r>
+            <a:r>
               <a:rPr lang="zh-TW" altLang="en-US" sz="4400" b="1" dirty="0" smtClean="0">
                 <a:solidFill>
-                  <a:srgbClr val="660033"/>
-                </a:solidFill>
-                <a:latin typeface="微軟正黑體" pitchFamily="34" charset="-120"/>
-                <a:ea typeface="微軟正黑體" pitchFamily="34" charset="-120"/>
-              </a:rPr>
-              <a:t>耶穌是我牧者 永在我旁</a:t>
-            </a:r>
-            <a:endParaRPr lang="en-US" altLang="zh-TW" sz="4400" b="1" dirty="0" smtClean="0">
-              <a:solidFill>
-                <a:srgbClr val="660033"/>
-              </a:solidFill>
-              <a:latin typeface="微軟正黑體" pitchFamily="34" charset="-120"/>
-              <a:ea typeface="微軟正黑體" pitchFamily="34" charset="-120"/>
-            </a:endParaRPr>
-          </a:p>
-          <a:p>
-            <a:pPr algn="ctr">
-              <a:buNone/>
-            </a:pPr>
+                  <a:srgbClr val="002060"/>
+                </a:solidFill>
+                <a:latin typeface="微軟正黑體" pitchFamily="34" charset="-120"/>
+                <a:ea typeface="微軟正黑體" pitchFamily="34" charset="-120"/>
+              </a:rPr>
+              <a:t>因</a:t>
+            </a:r>
+            <a:r>
+              <a:rPr lang="zh-CN" altLang="en-US" sz="4400" b="1" dirty="0" smtClean="0">
+                <a:solidFill>
+                  <a:srgbClr val="002060"/>
+                </a:solidFill>
+                <a:latin typeface="微軟正黑體" pitchFamily="34" charset="-120"/>
+                <a:ea typeface="微軟正黑體" pitchFamily="34" charset="-120"/>
+              </a:rPr>
+              <a:t>袮</a:t>
+            </a:r>
             <a:r>
               <a:rPr lang="zh-TW" altLang="en-US" sz="4400" b="1" dirty="0" smtClean="0">
                 <a:solidFill>
-                  <a:srgbClr val="660033"/>
-                </a:solidFill>
-                <a:latin typeface="微軟正黑體" pitchFamily="34" charset="-120"/>
-                <a:ea typeface="微軟正黑體" pitchFamily="34" charset="-120"/>
-              </a:rPr>
-              <a:t>祢杖祢竿都安慰我</a:t>
-            </a:r>
-          </a:p>
-        </p:txBody>
-      </p:sp>
-      <p:sp>
-        <p:nvSpPr>
-          <p:cNvPr id="4" name="文字方塊 3"/>
-          <p:cNvSpPr txBox="1"/>
-          <p:nvPr/>
-        </p:nvSpPr>
-        <p:spPr>
-          <a:xfrm>
-            <a:off x="0" y="4500576"/>
-            <a:ext cx="9144000" cy="400110"/>
-          </a:xfrm>
-          <a:prstGeom prst="rect">
-            <a:avLst/>
-          </a:prstGeom>
-          <a:noFill/>
-        </p:spPr>
-        <p:txBody>
-          <a:bodyPr wrap="square" rtlCol="0">
-            <a:spAutoFit/>
-          </a:bodyPr>
-          <a:lstStyle/>
-          <a:p>
-            <a:pPr algn="ctr"/>
-            <a:r>
-              <a:rPr lang="en-US" altLang="zh-TW" sz="2000" b="1" dirty="0" smtClean="0">
-                <a:solidFill>
-                  <a:srgbClr val="660033"/>
-                </a:solidFill>
-              </a:rPr>
-              <a:t>( Verse 2 )</a:t>
-            </a:r>
-            <a:endParaRPr lang="zh-TW" altLang="en-US" sz="2000" b="1" dirty="0">
-              <a:solidFill>
-                <a:srgbClr val="660033"/>
-              </a:solidFill>
-            </a:endParaRPr>
+                  <a:srgbClr val="002060"/>
+                </a:solidFill>
+                <a:latin typeface="微軟正黑體" pitchFamily="34" charset="-120"/>
+                <a:ea typeface="微軟正黑體" pitchFamily="34" charset="-120"/>
+              </a:rPr>
+              <a:t>而</a:t>
+            </a:r>
+            <a:r>
+              <a:rPr lang="zh-TW" altLang="en-US" sz="4400" b="1" dirty="0">
+                <a:solidFill>
+                  <a:srgbClr val="002060"/>
+                </a:solidFill>
+                <a:latin typeface="微軟正黑體" pitchFamily="34" charset="-120"/>
+                <a:ea typeface="微軟正黑體" pitchFamily="34" charset="-120"/>
+              </a:rPr>
+              <a:t>來</a:t>
+            </a:r>
           </a:p>
         </p:txBody>
       </p:sp>
@@ -5027,6 +7538,13 @@
   <p:clrMapOvr>
     <a:masterClrMapping/>
   </p:clrMapOvr>
+  <p:timing>
+    <p:tnLst>
+      <p:par>
+        <p:cTn id="1" dur="indefinite" restart="never" nodeType="tmRoot"/>
+      </p:par>
+    </p:tnLst>
+  </p:timing>
 </p:sld>
 </file>
 
@@ -5065,41 +7583,56 @@
           <a:lstStyle/>
           <a:p>
             <a:r>
-              <a:rPr lang="zh-TW" altLang="en-US" sz="4000" b="1" dirty="0" smtClean="0">
-                <a:solidFill>
-                  <a:srgbClr val="660033"/>
-                </a:solidFill>
-                <a:latin typeface="微軟正黑體" pitchFamily="34" charset="-120"/>
-                <a:ea typeface="微軟正黑體" pitchFamily="34" charset="-120"/>
-              </a:rPr>
-              <a:t>平安</a:t>
-            </a:r>
-            <a:endParaRPr lang="zh-TW" altLang="en-US" sz="4000" b="1" dirty="0">
+              <a:rPr lang="zh-TW" altLang="en-US" sz="3600" b="1" dirty="0">
+                <a:solidFill>
+                  <a:srgbClr val="002060"/>
+                </a:solidFill>
+                <a:latin typeface="微軟正黑體" pitchFamily="34" charset="-120"/>
+                <a:ea typeface="微軟正黑體" pitchFamily="34" charset="-120"/>
+              </a:rPr>
+              <a:t>信心的等待</a:t>
+            </a:r>
+          </a:p>
+        </p:txBody>
+      </p:sp>
+      <p:sp>
+        <p:nvSpPr>
+          <p:cNvPr id="3" name="內容版面配置區 2"/>
+          <p:cNvSpPr>
+            <a:spLocks noGrp="1"/>
+          </p:cNvSpPr>
+          <p:nvPr>
+            <p:ph idx="1"/>
+          </p:nvPr>
+        </p:nvSpPr>
+        <p:spPr/>
+        <p:txBody>
+          <a:bodyPr>
+            <a:noAutofit/>
+          </a:bodyPr>
+          <a:lstStyle/>
+          <a:p>
+            <a:pPr algn="ctr">
+              <a:buNone/>
+            </a:pPr>
+            <a:r>
+              <a:rPr lang="zh-TW" altLang="en-US" sz="4400" b="1" dirty="0">
+                <a:solidFill>
+                  <a:srgbClr val="002060"/>
+                </a:solidFill>
+                <a:latin typeface="微軟正黑體" pitchFamily="34" charset="-120"/>
+                <a:ea typeface="微軟正黑體" pitchFamily="34" charset="-120"/>
+              </a:rPr>
+              <a:t>耶穌捉緊我雙手</a:t>
+            </a:r>
+            <a:endParaRPr lang="en-US" altLang="zh-TW" sz="4400" b="1" dirty="0">
               <a:solidFill>
-                <a:srgbClr val="660033"/>
+                <a:srgbClr val="002060"/>
               </a:solidFill>
               <a:latin typeface="微軟正黑體" pitchFamily="34" charset="-120"/>
               <a:ea typeface="微軟正黑體" pitchFamily="34" charset="-120"/>
             </a:endParaRPr>
           </a:p>
-        </p:txBody>
-      </p:sp>
-      <p:sp>
-        <p:nvSpPr>
-          <p:cNvPr id="3" name="內容版面配置區 2"/>
-          <p:cNvSpPr>
-            <a:spLocks noGrp="1"/>
-          </p:cNvSpPr>
-          <p:nvPr>
-            <p:ph idx="1"/>
-          </p:nvPr>
-        </p:nvSpPr>
-        <p:spPr/>
-        <p:txBody>
-          <a:bodyPr>
-            <a:normAutofit/>
-          </a:bodyPr>
-          <a:lstStyle/>
           <a:p>
             <a:pPr algn="ctr">
               <a:buNone/>
@@ -5107,36 +7640,46 @@
             <a:r>
               <a:rPr lang="zh-TW" altLang="en-US" sz="4400" b="1" dirty="0" smtClean="0">
                 <a:solidFill>
-                  <a:srgbClr val="660033"/>
-                </a:solidFill>
-                <a:latin typeface="微軟正黑體" pitchFamily="34" charset="-120"/>
-                <a:ea typeface="微軟正黑體" pitchFamily="34" charset="-120"/>
-              </a:rPr>
-              <a:t>主 </a:t>
+                  <a:srgbClr val="002060"/>
+                </a:solidFill>
+                <a:latin typeface="微軟正黑體" pitchFamily="34" charset="-120"/>
+                <a:ea typeface="微軟正黑體" pitchFamily="34" charset="-120"/>
+              </a:rPr>
+              <a:t>有</a:t>
+            </a:r>
+            <a:r>
+              <a:rPr lang="zh-CN" altLang="en-US" sz="4400" b="1" dirty="0" smtClean="0">
+                <a:solidFill>
+                  <a:srgbClr val="002060"/>
+                </a:solidFill>
+                <a:latin typeface="微軟正黑體" pitchFamily="34" charset="-120"/>
+                <a:ea typeface="微軟正黑體" pitchFamily="34" charset="-120"/>
+              </a:rPr>
+              <a:t>袮</a:t>
             </a:r>
             <a:r>
               <a:rPr lang="zh-TW" altLang="en-US" sz="4400" b="1" dirty="0" smtClean="0">
                 <a:solidFill>
-                  <a:srgbClr val="660033"/>
-                </a:solidFill>
-                <a:latin typeface="微軟正黑體" pitchFamily="34" charset="-120"/>
-                <a:ea typeface="微軟正黑體" pitchFamily="34" charset="-120"/>
-              </a:rPr>
-              <a:t> 祢</a:t>
-            </a:r>
-            <a:r>
-              <a:rPr lang="zh-TW" altLang="en-US" sz="4400" b="1" dirty="0" smtClean="0">
-                <a:solidFill>
-                  <a:srgbClr val="660033"/>
-                </a:solidFill>
-                <a:latin typeface="微軟正黑體" pitchFamily="34" charset="-120"/>
-                <a:ea typeface="微軟正黑體" pitchFamily="34" charset="-120"/>
-              </a:rPr>
-              <a:t>賜下平安</a:t>
-            </a:r>
-            <a:endParaRPr lang="en-US" altLang="zh-TW" sz="4400" b="1" dirty="0" smtClean="0">
+                  <a:srgbClr val="002060"/>
+                </a:solidFill>
+                <a:latin typeface="微軟正黑體" pitchFamily="34" charset="-120"/>
+                <a:ea typeface="微軟正黑體" pitchFamily="34" charset="-120"/>
+              </a:rPr>
+              <a:t>的</a:t>
+            </a:r>
+            <a:r>
+              <a:rPr lang="zh-TW" altLang="en-US" sz="4400" b="1" dirty="0">
+                <a:solidFill>
+                  <a:srgbClr val="002060"/>
+                </a:solidFill>
+                <a:latin typeface="微軟正黑體" pitchFamily="34" charset="-120"/>
+                <a:ea typeface="微軟正黑體" pitchFamily="34" charset="-120"/>
+              </a:rPr>
+              <a:t>恩典我便足夠</a:t>
+            </a:r>
+            <a:endParaRPr lang="en-US" altLang="zh-TW" sz="4400" b="1" dirty="0">
               <a:solidFill>
-                <a:srgbClr val="660033"/>
+                <a:srgbClr val="002060"/>
               </a:solidFill>
               <a:latin typeface="微軟正黑體" pitchFamily="34" charset="-120"/>
               <a:ea typeface="微軟正黑體" pitchFamily="34" charset="-120"/>
@@ -5147,18 +7690,48 @@
               <a:buNone/>
             </a:pPr>
             <a:r>
+              <a:rPr lang="zh-TW" altLang="en-US" sz="4400" b="1" dirty="0">
+                <a:solidFill>
+                  <a:srgbClr val="002060"/>
+                </a:solidFill>
+                <a:latin typeface="微軟正黑體" pitchFamily="34" charset="-120"/>
+                <a:ea typeface="微軟正黑體" pitchFamily="34" charset="-120"/>
+              </a:rPr>
+              <a:t>讓我可清心</a:t>
+            </a:r>
+            <a:r>
               <a:rPr lang="zh-TW" altLang="en-US" sz="4400" b="1" dirty="0" smtClean="0">
                 <a:solidFill>
-                  <a:srgbClr val="660033"/>
-                </a:solidFill>
-                <a:latin typeface="微軟正黑體" pitchFamily="34" charset="-120"/>
-                <a:ea typeface="微軟正黑體" pitchFamily="34" charset="-120"/>
-              </a:rPr>
-              <a:t>不像世人所賜</a:t>
-            </a:r>
-            <a:endParaRPr lang="en-US" altLang="zh-TW" sz="4400" b="1" dirty="0" smtClean="0">
+                  <a:srgbClr val="002060"/>
+                </a:solidFill>
+                <a:latin typeface="微軟正黑體" pitchFamily="34" charset="-120"/>
+                <a:ea typeface="微軟正黑體" pitchFamily="34" charset="-120"/>
+              </a:rPr>
+              <a:t>見</a:t>
+            </a:r>
+            <a:r>
+              <a:rPr lang="zh-CN" altLang="en-US" sz="4400" b="1" dirty="0" smtClean="0">
+                <a:solidFill>
+                  <a:srgbClr val="002060"/>
+                </a:solidFill>
+                <a:latin typeface="微軟正黑體" pitchFamily="34" charset="-120"/>
+                <a:ea typeface="微軟正黑體" pitchFamily="34" charset="-120"/>
+              </a:rPr>
+              <a:t>袮</a:t>
+            </a:r>
+            <a:r>
+              <a:rPr lang="zh-TW" altLang="en-US" sz="4400" b="1" dirty="0" smtClean="0">
+                <a:solidFill>
+                  <a:srgbClr val="002060"/>
+                </a:solidFill>
+                <a:latin typeface="微軟正黑體" pitchFamily="34" charset="-120"/>
+                <a:ea typeface="微軟正黑體" pitchFamily="34" charset="-120"/>
+              </a:rPr>
+              <a:t>面</a:t>
+            </a:r>
+            <a:endParaRPr lang="en-US" altLang="zh-TW" sz="4400" b="1" dirty="0">
               <a:solidFill>
-                <a:srgbClr val="660033"/>
+                <a:srgbClr val="002060"/>
               </a:solidFill>
               <a:latin typeface="微軟正黑體" pitchFamily="34" charset="-120"/>
               <a:ea typeface="微軟正黑體" pitchFamily="34" charset="-120"/>
@@ -5169,76 +7742,15 @@
               <a:buNone/>
             </a:pPr>
             <a:r>
-              <a:rPr lang="zh-TW" altLang="en-US" sz="4400" b="1" dirty="0" smtClean="0">
-                <a:solidFill>
-                  <a:srgbClr val="660033"/>
-                </a:solidFill>
-                <a:latin typeface="微軟正黑體" pitchFamily="34" charset="-120"/>
-                <a:ea typeface="微軟正黑體" pitchFamily="34" charset="-120"/>
-              </a:rPr>
-              <a:t>我的心 不必再憂愁</a:t>
-            </a:r>
-            <a:endParaRPr lang="en-US" altLang="zh-TW" sz="4400" b="1" dirty="0" smtClean="0">
-              <a:solidFill>
-                <a:srgbClr val="660033"/>
-              </a:solidFill>
-              <a:latin typeface="微軟正黑體" pitchFamily="34" charset="-120"/>
-              <a:ea typeface="微軟正黑體" pitchFamily="34" charset="-120"/>
-            </a:endParaRPr>
-          </a:p>
-          <a:p>
-            <a:pPr algn="ctr">
-              <a:buNone/>
-            </a:pPr>
-            <a:r>
-              <a:rPr lang="zh-TW" altLang="en-US" sz="4400" b="1" dirty="0" smtClean="0">
-                <a:solidFill>
-                  <a:srgbClr val="660033"/>
-                </a:solidFill>
-                <a:latin typeface="微軟正黑體" pitchFamily="34" charset="-120"/>
-                <a:ea typeface="微軟正黑體" pitchFamily="34" charset="-120"/>
-              </a:rPr>
-              <a:t>也不用膽怯 </a:t>
-            </a:r>
-          </a:p>
-        </p:txBody>
-      </p:sp>
-      <p:sp>
-        <p:nvSpPr>
-          <p:cNvPr id="4" name="文字方塊 3"/>
-          <p:cNvSpPr txBox="1"/>
-          <p:nvPr/>
-        </p:nvSpPr>
-        <p:spPr>
-          <a:xfrm>
-            <a:off x="0" y="4500576"/>
-            <a:ext cx="9144000" cy="400110"/>
-          </a:xfrm>
-          <a:prstGeom prst="rect">
-            <a:avLst/>
-          </a:prstGeom>
-          <a:noFill/>
-        </p:spPr>
-        <p:txBody>
-          <a:bodyPr wrap="square" rtlCol="0">
-            <a:spAutoFit/>
-          </a:bodyPr>
-          <a:lstStyle/>
-          <a:p>
-            <a:pPr algn="ctr"/>
-            <a:r>
-              <a:rPr lang="en-US" altLang="zh-TW" sz="2000" b="1" dirty="0" smtClean="0">
-                <a:solidFill>
-                  <a:srgbClr val="660033"/>
-                </a:solidFill>
-              </a:rPr>
-              <a:t>( Chorus 1 )</a:t>
-            </a:r>
-            <a:endParaRPr lang="zh-TW" altLang="en-US" sz="2000" b="1" dirty="0">
-              <a:solidFill>
-                <a:srgbClr val="660033"/>
-              </a:solidFill>
-            </a:endParaRPr>
+              <a:rPr lang="zh-TW" altLang="en-US" sz="4400" b="1" dirty="0">
+                <a:solidFill>
+                  <a:srgbClr val="002060"/>
+                </a:solidFill>
+                <a:latin typeface="微軟正黑體" pitchFamily="34" charset="-120"/>
+                <a:ea typeface="微軟正黑體" pitchFamily="34" charset="-120"/>
+              </a:rPr>
+              <a:t>使我必得見光</a:t>
+            </a:r>
           </a:p>
         </p:txBody>
       </p:sp>
@@ -5247,6 +7759,13 @@
   <p:clrMapOvr>
     <a:masterClrMapping/>
   </p:clrMapOvr>
+  <p:timing>
+    <p:tnLst>
+      <p:par>
+        <p:cTn id="1" dur="indefinite" restart="never" nodeType="tmRoot"/>
+      </p:par>
+    </p:tnLst>
+  </p:timing>
 </p:sld>
 </file>
 
@@ -5285,58 +7804,73 @@
           <a:lstStyle/>
           <a:p>
             <a:r>
-              <a:rPr lang="zh-TW" altLang="en-US" sz="4000" b="1" dirty="0" smtClean="0">
-                <a:solidFill>
-                  <a:srgbClr val="660033"/>
-                </a:solidFill>
-                <a:latin typeface="微軟正黑體" pitchFamily="34" charset="-120"/>
-                <a:ea typeface="微軟正黑體" pitchFamily="34" charset="-120"/>
-              </a:rPr>
-              <a:t>平安</a:t>
-            </a:r>
-            <a:endParaRPr lang="zh-TW" altLang="en-US" sz="4000" b="1" dirty="0">
+              <a:rPr lang="zh-TW" altLang="en-US" sz="3600" b="1" dirty="0">
+                <a:solidFill>
+                  <a:srgbClr val="002060"/>
+                </a:solidFill>
+                <a:latin typeface="微軟正黑體" pitchFamily="34" charset="-120"/>
+                <a:ea typeface="微軟正黑體" pitchFamily="34" charset="-120"/>
+              </a:rPr>
+              <a:t>信心的等待</a:t>
+            </a:r>
+          </a:p>
+        </p:txBody>
+      </p:sp>
+      <p:sp>
+        <p:nvSpPr>
+          <p:cNvPr id="3" name="內容版面配置區 2"/>
+          <p:cNvSpPr>
+            <a:spLocks noGrp="1"/>
+          </p:cNvSpPr>
+          <p:nvPr>
+            <p:ph idx="1"/>
+          </p:nvPr>
+        </p:nvSpPr>
+        <p:spPr/>
+        <p:txBody>
+          <a:bodyPr>
+            <a:noAutofit/>
+          </a:bodyPr>
+          <a:lstStyle/>
+          <a:p>
+            <a:pPr algn="ctr">
+              <a:buNone/>
+            </a:pPr>
+            <a:r>
+              <a:rPr lang="zh-TW" altLang="en-US" sz="4400" b="1" dirty="0">
+                <a:solidFill>
+                  <a:srgbClr val="002060"/>
+                </a:solidFill>
+                <a:latin typeface="微軟正黑體" pitchFamily="34" charset="-120"/>
+                <a:ea typeface="微軟正黑體" pitchFamily="34" charset="-120"/>
+              </a:rPr>
+              <a:t>耶穌捉緊我雙手</a:t>
+            </a:r>
+            <a:endParaRPr lang="en-US" altLang="zh-TW" sz="4400" b="1" dirty="0">
               <a:solidFill>
-                <a:srgbClr val="660033"/>
+                <a:srgbClr val="002060"/>
               </a:solidFill>
               <a:latin typeface="微軟正黑體" pitchFamily="34" charset="-120"/>
               <a:ea typeface="微軟正黑體" pitchFamily="34" charset="-120"/>
             </a:endParaRPr>
           </a:p>
-        </p:txBody>
-      </p:sp>
-      <p:sp>
-        <p:nvSpPr>
-          <p:cNvPr id="3" name="內容版面配置區 2"/>
-          <p:cNvSpPr>
-            <a:spLocks noGrp="1"/>
-          </p:cNvSpPr>
-          <p:nvPr>
-            <p:ph idx="1"/>
-          </p:nvPr>
-        </p:nvSpPr>
-        <p:spPr/>
-        <p:txBody>
-          <a:bodyPr>
-            <a:normAutofit/>
-          </a:bodyPr>
-          <a:lstStyle/>
           <a:p>
             <a:pPr algn="ctr">
               <a:buNone/>
             </a:pPr>
             <a:r>
-              <a:rPr lang="zh-TW" altLang="en-US" sz="4400" b="1" dirty="0" smtClean="0">
-                <a:solidFill>
-                  <a:srgbClr val="660033"/>
-                </a:solidFill>
-                <a:latin typeface="微軟正黑體" pitchFamily="34" charset="-120"/>
-                <a:ea typeface="微軟正黑體" pitchFamily="34" charset="-120"/>
-              </a:rPr>
-              <a:t>主 祢賜下這</a:t>
-            </a:r>
-            <a:endParaRPr lang="en-US" altLang="zh-TW" sz="4400" b="1" dirty="0" smtClean="0">
+              <a:rPr lang="zh-TW" altLang="en-US" sz="4400" b="1" dirty="0">
+                <a:solidFill>
+                  <a:srgbClr val="002060"/>
+                </a:solidFill>
+                <a:latin typeface="微軟正黑體" pitchFamily="34" charset="-120"/>
+                <a:ea typeface="微軟正黑體" pitchFamily="34" charset="-120"/>
+              </a:rPr>
+              <a:t>仰望那財寶在天上</a:t>
+            </a:r>
+            <a:endParaRPr lang="en-US" altLang="zh-TW" sz="4400" b="1" dirty="0">
               <a:solidFill>
-                <a:srgbClr val="660033"/>
+                <a:srgbClr val="002060"/>
               </a:solidFill>
               <a:latin typeface="微軟正黑體" pitchFamily="34" charset="-120"/>
               <a:ea typeface="微軟正黑體" pitchFamily="34" charset="-120"/>
@@ -5347,18 +7881,18 @@
               <a:buNone/>
             </a:pPr>
             <a:r>
-              <a:rPr lang="zh-TW" altLang="en-US" sz="4400" b="1" dirty="0" smtClean="0">
-                <a:solidFill>
-                  <a:srgbClr val="660033"/>
-                </a:solidFill>
-                <a:latin typeface="微軟正黑體" pitchFamily="34" charset="-120"/>
-                <a:ea typeface="微軟正黑體" pitchFamily="34" charset="-120"/>
-              </a:rPr>
-              <a:t>是用重價換來的</a:t>
-            </a:r>
-            <a:endParaRPr lang="en-US" altLang="zh-TW" sz="4400" b="1" dirty="0" smtClean="0">
+              <a:rPr lang="zh-TW" altLang="en-US" sz="4400" b="1" dirty="0">
+                <a:solidFill>
+                  <a:srgbClr val="002060"/>
+                </a:solidFill>
+                <a:latin typeface="微軟正黑體" pitchFamily="34" charset="-120"/>
+                <a:ea typeface="微軟正黑體" pitchFamily="34" charset="-120"/>
+              </a:rPr>
+              <a:t>愛慕神的   抱著平安</a:t>
+            </a:r>
+            <a:endParaRPr lang="en-US" altLang="zh-TW" sz="4400" b="1" dirty="0">
               <a:solidFill>
-                <a:srgbClr val="660033"/>
+                <a:srgbClr val="002060"/>
               </a:solidFill>
               <a:latin typeface="微軟正黑體" pitchFamily="34" charset="-120"/>
               <a:ea typeface="微軟正黑體" pitchFamily="34" charset="-120"/>
@@ -5371,74 +7905,43 @@
             <a:r>
               <a:rPr lang="zh-TW" altLang="en-US" sz="4400" b="1" dirty="0" smtClean="0">
                 <a:solidFill>
-                  <a:srgbClr val="660033"/>
-                </a:solidFill>
-                <a:latin typeface="微軟正黑體" pitchFamily="34" charset="-120"/>
-                <a:ea typeface="微軟正黑體" pitchFamily="34" charset="-120"/>
-              </a:rPr>
-              <a:t>受鞭傷使我得醫治</a:t>
-            </a:r>
-            <a:endParaRPr lang="en-US" altLang="zh-TW" sz="4400" b="1" dirty="0" smtClean="0">
-              <a:solidFill>
-                <a:srgbClr val="660033"/>
-              </a:solidFill>
-              <a:latin typeface="微軟正黑體" pitchFamily="34" charset="-120"/>
-              <a:ea typeface="微軟正黑體" pitchFamily="34" charset="-120"/>
-            </a:endParaRPr>
-          </a:p>
-          <a:p>
-            <a:pPr algn="ctr">
-              <a:buNone/>
-            </a:pPr>
+                  <a:srgbClr val="002060"/>
+                </a:solidFill>
+                <a:latin typeface="微軟正黑體" pitchFamily="34" charset="-120"/>
+                <a:ea typeface="微軟正黑體" pitchFamily="34" charset="-120"/>
+              </a:rPr>
+              <a:t>感謝</a:t>
+            </a:r>
+            <a:r>
+              <a:rPr lang="zh-CN" altLang="en-US" sz="4400" b="1" dirty="0" smtClean="0">
+                <a:solidFill>
+                  <a:srgbClr val="002060"/>
+                </a:solidFill>
+                <a:latin typeface="微軟正黑體" pitchFamily="34" charset="-120"/>
+                <a:ea typeface="微軟正黑體" pitchFamily="34" charset="-120"/>
+              </a:rPr>
+              <a:t>袮</a:t>
+            </a:r>
             <a:r>
               <a:rPr lang="zh-TW" altLang="en-US" sz="4400" b="1" dirty="0" smtClean="0">
                 <a:solidFill>
-                  <a:srgbClr val="660033"/>
-                </a:solidFill>
-                <a:latin typeface="微軟正黑體" pitchFamily="34" charset="-120"/>
-                <a:ea typeface="微軟正黑體" pitchFamily="34" charset="-120"/>
-              </a:rPr>
-              <a:t>受刑罰讓我得到赦免</a:t>
-            </a:r>
-          </a:p>
-        </p:txBody>
-      </p:sp>
-      <p:sp>
-        <p:nvSpPr>
-          <p:cNvPr id="4" name="文字方塊 3"/>
-          <p:cNvSpPr txBox="1"/>
-          <p:nvPr/>
-        </p:nvSpPr>
-        <p:spPr>
-          <a:xfrm>
-            <a:off x="0" y="4500576"/>
-            <a:ext cx="9144000" cy="400110"/>
-          </a:xfrm>
-          <a:prstGeom prst="rect">
-            <a:avLst/>
-          </a:prstGeom>
-          <a:noFill/>
-        </p:spPr>
-        <p:txBody>
-          <a:bodyPr wrap="square" rtlCol="0">
-            <a:spAutoFit/>
-          </a:bodyPr>
-          <a:lstStyle/>
-          <a:p>
-            <a:pPr algn="ctr"/>
-            <a:r>
-              <a:rPr lang="en-US" altLang="zh-TW" sz="2000" b="1" dirty="0" smtClean="0">
-                <a:solidFill>
-                  <a:srgbClr val="660033"/>
-                </a:solidFill>
-              </a:rPr>
-              <a:t>( Chorus 2 )</a:t>
-            </a:r>
-            <a:endParaRPr lang="zh-TW" altLang="en-US" sz="2000" b="1" dirty="0">
-              <a:solidFill>
-                <a:srgbClr val="660033"/>
-              </a:solidFill>
-            </a:endParaRPr>
+                  <a:srgbClr val="002060"/>
+                </a:solidFill>
+                <a:latin typeface="微軟正黑體" pitchFamily="34" charset="-120"/>
+                <a:ea typeface="微軟正黑體" pitchFamily="34" charset="-120"/>
+              </a:rPr>
+              <a:t>為</a:t>
+            </a:r>
+            <a:r>
+              <a:rPr lang="zh-TW" altLang="en-US" sz="4400" b="1" dirty="0">
+                <a:solidFill>
+                  <a:srgbClr val="002060"/>
+                </a:solidFill>
+                <a:latin typeface="微軟正黑體" pitchFamily="34" charset="-120"/>
+                <a:ea typeface="微軟正黑體" pitchFamily="34" charset="-120"/>
+              </a:rPr>
+              <a:t>我所編寫的一切</a:t>
+            </a:r>
           </a:p>
         </p:txBody>
       </p:sp>
@@ -5447,6 +7950,264 @@
   <p:clrMapOvr>
     <a:masterClrMapping/>
   </p:clrMapOvr>
+  <p:timing>
+    <p:tnLst>
+      <p:par>
+        <p:cTn id="1" dur="indefinite" restart="never" nodeType="tmRoot"/>
+      </p:par>
+    </p:tnLst>
+  </p:timing>
+</p:sld>
+</file>
+
+<file path=ppt/slides/slide9.xml><?xml version="1.0" encoding="utf-8"?>
+<p:sld xmlns:a="http://schemas.openxmlformats.org/drawingml/2006/main" xmlns:r="http://schemas.openxmlformats.org/officeDocument/2006/relationships" xmlns:p="http://schemas.openxmlformats.org/presentationml/2006/main">
+  <p:cSld>
+    <p:spTree>
+      <p:nvGrpSpPr>
+        <p:cNvPr id="1" name=""/>
+        <p:cNvGrpSpPr/>
+        <p:nvPr/>
+      </p:nvGrpSpPr>
+      <p:grpSpPr>
+        <a:xfrm>
+          <a:off x="0" y="0"/>
+          <a:ext cx="0" cy="0"/>
+          <a:chOff x="0" y="0"/>
+          <a:chExt cx="0" cy="0"/>
+        </a:xfrm>
+      </p:grpSpPr>
+      <p:sp>
+        <p:nvSpPr>
+          <p:cNvPr id="2" name="標題 1"/>
+          <p:cNvSpPr>
+            <a:spLocks noGrp="1"/>
+          </p:cNvSpPr>
+          <p:nvPr>
+            <p:ph type="title"/>
+          </p:nvPr>
+        </p:nvSpPr>
+        <p:spPr/>
+        <p:txBody>
+          <a:bodyPr>
+            <a:normAutofit/>
+          </a:bodyPr>
+          <a:lstStyle/>
+          <a:p>
+            <a:r>
+              <a:rPr lang="zh-TW" altLang="en-US" sz="3600" b="1" dirty="0">
+                <a:solidFill>
+                  <a:srgbClr val="002060"/>
+                </a:solidFill>
+                <a:latin typeface="微軟正黑體" pitchFamily="34" charset="-120"/>
+                <a:ea typeface="微軟正黑體" pitchFamily="34" charset="-120"/>
+              </a:rPr>
+              <a:t>信心的等待</a:t>
+            </a:r>
+          </a:p>
+        </p:txBody>
+      </p:sp>
+      <p:sp>
+        <p:nvSpPr>
+          <p:cNvPr id="3" name="內容版面配置區 2"/>
+          <p:cNvSpPr>
+            <a:spLocks noGrp="1"/>
+          </p:cNvSpPr>
+          <p:nvPr>
+            <p:ph idx="1"/>
+          </p:nvPr>
+        </p:nvSpPr>
+        <p:spPr/>
+        <p:txBody>
+          <a:bodyPr>
+            <a:noAutofit/>
+          </a:bodyPr>
+          <a:lstStyle/>
+          <a:p>
+            <a:pPr algn="ctr">
+              <a:buNone/>
+            </a:pPr>
+            <a:r>
+              <a:rPr lang="zh-TW" altLang="en-US" sz="4400" b="1" dirty="0" smtClean="0">
+                <a:solidFill>
+                  <a:srgbClr val="002060"/>
+                </a:solidFill>
+                <a:latin typeface="微軟正黑體" pitchFamily="34" charset="-120"/>
+                <a:ea typeface="微軟正黑體" pitchFamily="34" charset="-120"/>
+              </a:rPr>
+              <a:t>在</a:t>
+            </a:r>
+            <a:r>
+              <a:rPr lang="zh-TW" altLang="en-US" sz="4400" b="1" dirty="0">
+                <a:solidFill>
+                  <a:srgbClr val="002060"/>
+                </a:solidFill>
+                <a:latin typeface="微軟正黑體" pitchFamily="34" charset="-120"/>
+                <a:ea typeface="微軟正黑體" pitchFamily="34" charset="-120"/>
+              </a:rPr>
+              <a:t>這幽谷之中我宣告</a:t>
+            </a:r>
+            <a:endParaRPr lang="en-US" altLang="zh-TW" sz="4400" b="1" dirty="0">
+              <a:solidFill>
+                <a:srgbClr val="002060"/>
+              </a:solidFill>
+              <a:latin typeface="微軟正黑體" pitchFamily="34" charset="-120"/>
+              <a:ea typeface="微軟正黑體" pitchFamily="34" charset="-120"/>
+            </a:endParaRPr>
+          </a:p>
+          <a:p>
+            <a:pPr algn="ctr">
+              <a:buNone/>
+            </a:pPr>
+            <a:r>
+              <a:rPr lang="zh-TW" altLang="en-US" sz="4400" b="1" dirty="0">
+                <a:solidFill>
+                  <a:srgbClr val="002060"/>
+                </a:solidFill>
+                <a:latin typeface="微軟正黑體" pitchFamily="34" charset="-120"/>
+                <a:ea typeface="微軟正黑體" pitchFamily="34" charset="-120"/>
+              </a:rPr>
+              <a:t>不必怕因</a:t>
+            </a:r>
+            <a:r>
+              <a:rPr lang="zh-TW" altLang="en-US" sz="4400" b="1" dirty="0" smtClean="0">
+                <a:solidFill>
+                  <a:srgbClr val="002060"/>
+                </a:solidFill>
+                <a:latin typeface="微軟正黑體" pitchFamily="34" charset="-120"/>
+                <a:ea typeface="微軟正黑體" pitchFamily="34" charset="-120"/>
+              </a:rPr>
+              <a:t>有</a:t>
+            </a:r>
+            <a:r>
+              <a:rPr lang="zh-CN" altLang="en-US" sz="4400" b="1" dirty="0" smtClean="0">
+                <a:solidFill>
+                  <a:srgbClr val="002060"/>
+                </a:solidFill>
+                <a:latin typeface="微軟正黑體" pitchFamily="34" charset="-120"/>
+                <a:ea typeface="微軟正黑體" pitchFamily="34" charset="-120"/>
+              </a:rPr>
+              <a:t>袮</a:t>
+            </a:r>
+            <a:r>
+              <a:rPr lang="zh-TW" altLang="en-US" sz="4400" b="1" dirty="0" smtClean="0">
+                <a:solidFill>
+                  <a:srgbClr val="002060"/>
+                </a:solidFill>
+                <a:latin typeface="微軟正黑體" pitchFamily="34" charset="-120"/>
+                <a:ea typeface="微軟正黑體" pitchFamily="34" charset="-120"/>
+              </a:rPr>
+              <a:t>同</a:t>
+            </a:r>
+            <a:r>
+              <a:rPr lang="zh-TW" altLang="en-US" sz="4400" b="1" dirty="0">
+                <a:solidFill>
+                  <a:srgbClr val="002060"/>
+                </a:solidFill>
+                <a:latin typeface="微軟正黑體" pitchFamily="34" charset="-120"/>
+                <a:ea typeface="微軟正黑體" pitchFamily="34" charset="-120"/>
+              </a:rPr>
+              <a:t>在</a:t>
+            </a:r>
+            <a:endParaRPr lang="en-US" altLang="zh-TW" sz="4400" b="1" dirty="0">
+              <a:solidFill>
+                <a:srgbClr val="002060"/>
+              </a:solidFill>
+              <a:latin typeface="微軟正黑體" pitchFamily="34" charset="-120"/>
+              <a:ea typeface="微軟正黑體" pitchFamily="34" charset="-120"/>
+            </a:endParaRPr>
+          </a:p>
+          <a:p>
+            <a:pPr algn="ctr">
+              <a:buNone/>
+            </a:pPr>
+            <a:r>
+              <a:rPr lang="zh-TW" altLang="en-US" sz="4400" b="1" dirty="0">
+                <a:solidFill>
+                  <a:srgbClr val="002060"/>
+                </a:solidFill>
+                <a:latin typeface="微軟正黑體" pitchFamily="34" charset="-120"/>
+                <a:ea typeface="微軟正黑體" pitchFamily="34" charset="-120"/>
+              </a:rPr>
+              <a:t>別人笑我為甚麼等待</a:t>
+            </a:r>
+            <a:endParaRPr lang="en-US" altLang="zh-TW" sz="4400" b="1" dirty="0">
+              <a:solidFill>
+                <a:srgbClr val="002060"/>
+              </a:solidFill>
+              <a:latin typeface="微軟正黑體" pitchFamily="34" charset="-120"/>
+              <a:ea typeface="微軟正黑體" pitchFamily="34" charset="-120"/>
+            </a:endParaRPr>
+          </a:p>
+          <a:p>
+            <a:pPr algn="ctr">
+              <a:buNone/>
+            </a:pPr>
+            <a:r>
+              <a:rPr lang="zh-TW" altLang="en-US" sz="4400" b="1" dirty="0">
+                <a:solidFill>
+                  <a:srgbClr val="002060"/>
+                </a:solidFill>
+                <a:latin typeface="微軟正黑體" pitchFamily="34" charset="-120"/>
+                <a:ea typeface="微軟正黑體" pitchFamily="34" charset="-120"/>
+              </a:rPr>
+              <a:t>因我知道盼望</a:t>
+            </a:r>
+            <a:r>
+              <a:rPr lang="zh-TW" altLang="en-US" sz="4400" b="1" dirty="0" smtClean="0">
+                <a:solidFill>
+                  <a:srgbClr val="002060"/>
+                </a:solidFill>
+                <a:latin typeface="微軟正黑體" pitchFamily="34" charset="-120"/>
+                <a:ea typeface="微軟正黑體" pitchFamily="34" charset="-120"/>
+              </a:rPr>
+              <a:t>因</a:t>
+            </a:r>
+            <a:r>
+              <a:rPr lang="zh-CN" altLang="en-US" sz="4400" b="1" dirty="0" smtClean="0">
+                <a:solidFill>
+                  <a:srgbClr val="002060"/>
+                </a:solidFill>
+                <a:latin typeface="微軟正黑體" pitchFamily="34" charset="-120"/>
+                <a:ea typeface="微軟正黑體" pitchFamily="34" charset="-120"/>
+              </a:rPr>
+              <a:t>袮</a:t>
+            </a:r>
+            <a:r>
+              <a:rPr lang="zh-TW" altLang="en-US" sz="4400" b="1" dirty="0" smtClean="0">
+                <a:solidFill>
+                  <a:srgbClr val="002060"/>
+                </a:solidFill>
+                <a:latin typeface="微軟正黑體" pitchFamily="34" charset="-120"/>
+                <a:ea typeface="微軟正黑體" pitchFamily="34" charset="-120"/>
+              </a:rPr>
+              <a:t>而</a:t>
+            </a:r>
+            <a:r>
+              <a:rPr lang="zh-TW" altLang="en-US" sz="4400" b="1" dirty="0">
+                <a:solidFill>
+                  <a:srgbClr val="002060"/>
+                </a:solidFill>
+                <a:latin typeface="微軟正黑體" pitchFamily="34" charset="-120"/>
+                <a:ea typeface="微軟正黑體" pitchFamily="34" charset="-120"/>
+              </a:rPr>
+              <a:t>來</a:t>
+            </a:r>
+          </a:p>
+        </p:txBody>
+      </p:sp>
+    </p:spTree>
+  </p:cSld>
+  <p:clrMapOvr>
+    <a:masterClrMapping/>
+  </p:clrMapOvr>
+  <p:timing>
+    <p:tnLst>
+      <p:par>
+        <p:cTn id="1" dur="indefinite" restart="never" nodeType="tmRoot"/>
+      </p:par>
+    </p:tnLst>
+  </p:timing>
 </p:sld>
 </file>
 
